--- a/Assignment-Details-RiteshKashyap.pptx
+++ b/Assignment-Details-RiteshKashyap.pptx
@@ -13,15 +13,13 @@
     <p:sldMasterId id="2147483762" r:id="rId9"/>
   </p:sldMasterIdLst>
   <p:notesMasterIdLst>
-    <p:notesMasterId r:id="rId16"/>
+    <p:notesMasterId r:id="rId14"/>
   </p:notesMasterIdLst>
   <p:sldIdLst>
     <p:sldId id="418" r:id="rId10"/>
     <p:sldId id="295" r:id="rId11"/>
     <p:sldId id="412" r:id="rId12"/>
-    <p:sldId id="413" r:id="rId13"/>
-    <p:sldId id="419" r:id="rId14"/>
-    <p:sldId id="423" r:id="rId15"/>
+    <p:sldId id="424" r:id="rId13"/>
   </p:sldIdLst>
   <p:sldSz cx="12192000" cy="6858000"/>
   <p:notesSz cx="6858000" cy="1600200"/>
@@ -215,7 +213,7 @@
             <a:fld id="{63B08556-8587-1447-A3BE-E1063EB1DDE9}" type="datetimeFigureOut">
               <a:rPr lang="en-US" smtClean="0"/>
               <a:pPr/>
-              <a:t>3/28/20</a:t>
+              <a:t>4/6/20</a:t>
             </a:fld>
             <a:endParaRPr lang="en-US" dirty="0"/>
           </a:p>
@@ -572,91 +570,6 @@
 </p:notes>
 </file>
 
-<file path=ppt/notesSlides/notesSlide2.xml><?xml version="1.0" encoding="utf-8"?>
-<p:notes xmlns:a="http://schemas.openxmlformats.org/drawingml/2006/main" xmlns:r="http://schemas.openxmlformats.org/officeDocument/2006/relationships" xmlns:p="http://schemas.openxmlformats.org/presentationml/2006/main">
-  <p:cSld>
-    <p:spTree>
-      <p:nvGrpSpPr>
-        <p:cNvPr id="1" name=""/>
-        <p:cNvGrpSpPr/>
-        <p:nvPr/>
-      </p:nvGrpSpPr>
-      <p:grpSpPr>
-        <a:xfrm>
-          <a:off x="0" y="0"/>
-          <a:ext cx="0" cy="0"/>
-          <a:chOff x="0" y="0"/>
-          <a:chExt cx="0" cy="0"/>
-        </a:xfrm>
-      </p:grpSpPr>
-      <p:sp>
-        <p:nvSpPr>
-          <p:cNvPr id="2" name="Slide Image Placeholder 1"/>
-          <p:cNvSpPr>
-            <a:spLocks noGrp="1" noRot="1" noChangeAspect="1"/>
-          </p:cNvSpPr>
-          <p:nvPr>
-            <p:ph type="sldImg"/>
-          </p:nvPr>
-        </p:nvSpPr>
-        <p:spPr/>
-      </p:sp>
-      <p:sp>
-        <p:nvSpPr>
-          <p:cNvPr id="3" name="Notes Placeholder 2"/>
-          <p:cNvSpPr>
-            <a:spLocks noGrp="1"/>
-          </p:cNvSpPr>
-          <p:nvPr>
-            <p:ph type="body" idx="1"/>
-          </p:nvPr>
-        </p:nvSpPr>
-        <p:spPr/>
-        <p:txBody>
-          <a:bodyPr/>
-          <a:lstStyle/>
-          <a:p>
-            <a:endParaRPr lang="en-US" dirty="0"/>
-          </a:p>
-        </p:txBody>
-      </p:sp>
-      <p:sp>
-        <p:nvSpPr>
-          <p:cNvPr id="4" name="Slide Number Placeholder 3"/>
-          <p:cNvSpPr>
-            <a:spLocks noGrp="1"/>
-          </p:cNvSpPr>
-          <p:nvPr>
-            <p:ph type="sldNum" sz="quarter" idx="10"/>
-          </p:nvPr>
-        </p:nvSpPr>
-        <p:spPr/>
-        <p:txBody>
-          <a:bodyPr/>
-          <a:lstStyle/>
-          <a:p>
-            <a:fld id="{7A98D17C-A7EE-D345-89E6-D3D1C299CC23}" type="slidenum">
-              <a:rPr lang="en-US" smtClean="0"/>
-              <a:pPr/>
-              <a:t>4</a:t>
-            </a:fld>
-            <a:endParaRPr lang="en-US" dirty="0"/>
-          </a:p>
-        </p:txBody>
-      </p:sp>
-    </p:spTree>
-    <p:extLst>
-      <p:ext uri="{BB962C8B-B14F-4D97-AF65-F5344CB8AC3E}">
-        <p14:creationId xmlns:p14="http://schemas.microsoft.com/office/powerpoint/2010/main" val="3897873778"/>
-      </p:ext>
-    </p:extLst>
-  </p:cSld>
-  <p:clrMapOvr>
-    <a:masterClrMapping/>
-  </p:clrMapOvr>
-</p:notes>
-</file>
-
 <file path=ppt/slideLayouts/slideLayout1.xml><?xml version="1.0" encoding="utf-8"?>
 <p:sldLayout xmlns:a="http://schemas.openxmlformats.org/drawingml/2006/main" xmlns:r="http://schemas.openxmlformats.org/officeDocument/2006/relationships" xmlns:p="http://schemas.openxmlformats.org/presentationml/2006/main" type="blank" preserve="1">
   <p:cSld name="Brand Mark — Positive">
@@ -19068,12 +18981,919 @@
 </file>
 
 <file path=ppt/slideLayouts/slideLayout65.xml><?xml version="1.0" encoding="utf-8"?>
-<p:sldLayout xmlns:a="http://schemas.openxmlformats.org/drawingml/2006/main" xmlns:r="http://schemas.openxmlformats.org/officeDocument/2006/relationships" xmlns:p="http://schemas.openxmlformats.org/presentationml/2006/main" type="title">
-  <p:cSld name="Divider — Blue 1 line">
+<p:sldLayout xmlns:a="http://schemas.openxmlformats.org/drawingml/2006/main" xmlns:r="http://schemas.openxmlformats.org/officeDocument/2006/relationships" xmlns:p="http://schemas.openxmlformats.org/presentationml/2006/main" preserve="1" userDrawn="1">
+  <p:cSld name="Back Cover — White">
+    <p:spTree>
+      <p:nvGrpSpPr>
+        <p:cNvPr id="1" name=""/>
+        <p:cNvGrpSpPr/>
+        <p:nvPr/>
+      </p:nvGrpSpPr>
+      <p:grpSpPr>
+        <a:xfrm>
+          <a:off x="0" y="0"/>
+          <a:ext cx="0" cy="0"/>
+          <a:chOff x="0" y="0"/>
+          <a:chExt cx="0" cy="0"/>
+        </a:xfrm>
+      </p:grpSpPr>
+      <p:sp>
+        <p:nvSpPr>
+          <p:cNvPr id="3" name="TextBox 2">
+            <a:extLst>
+              <a:ext uri="{FF2B5EF4-FFF2-40B4-BE49-F238E27FC236}">
+                <a16:creationId xmlns:a16="http://schemas.microsoft.com/office/drawing/2014/main" id="{05D4B068-A093-8C4E-BCC3-CA584FE85F4D}"/>
+              </a:ext>
+            </a:extLst>
+          </p:cNvPr>
+          <p:cNvSpPr txBox="1"/>
+          <p:nvPr userDrawn="1"/>
+        </p:nvSpPr>
+        <p:spPr>
+          <a:xfrm>
+            <a:off x="685800" y="3099816"/>
+            <a:ext cx="10817352" cy="661720"/>
+          </a:xfrm>
+          <a:prstGeom prst="rect">
+            <a:avLst/>
+          </a:prstGeom>
+          <a:noFill/>
+        </p:spPr>
+        <p:txBody>
+          <a:bodyPr wrap="none" lIns="0" tIns="0" rIns="0" bIns="0" rtlCol="0">
+            <a:noAutofit/>
+          </a:bodyPr>
+          <a:lstStyle/>
+          <a:p>
+            <a:pPr algn="ctr"/>
+            <a:r>
+              <a:rPr lang="en-US" sz="4300" b="0" i="0" dirty="0">
+                <a:latin typeface="Futura Next Book" panose="020B0502020204020303" pitchFamily="34" charset="77"/>
+              </a:rPr>
+              <a:t>thank you</a:t>
+            </a:r>
+          </a:p>
+        </p:txBody>
+      </p:sp>
+      <p:sp>
+        <p:nvSpPr>
+          <p:cNvPr id="7" name="TextBox 6">
+            <a:extLst>
+              <a:ext uri="{FF2B5EF4-FFF2-40B4-BE49-F238E27FC236}">
+                <a16:creationId xmlns:a16="http://schemas.microsoft.com/office/drawing/2014/main" id="{2A71E849-9F96-D344-8B44-13241F15C909}"/>
+              </a:ext>
+            </a:extLst>
+          </p:cNvPr>
+          <p:cNvSpPr txBox="1"/>
+          <p:nvPr userDrawn="1"/>
+        </p:nvSpPr>
+        <p:spPr>
+          <a:xfrm>
+            <a:off x="685800" y="6291072"/>
+            <a:ext cx="10817352" cy="107722"/>
+          </a:xfrm>
+          <a:prstGeom prst="rect">
+            <a:avLst/>
+          </a:prstGeom>
+          <a:noFill/>
+        </p:spPr>
+        <p:txBody>
+          <a:bodyPr wrap="none" lIns="0" tIns="0" rIns="0" bIns="0" rtlCol="0">
+            <a:noAutofit/>
+          </a:bodyPr>
+          <a:lstStyle/>
+          <a:p>
+            <a:pPr algn="ctr"/>
+            <a:r>
+              <a:rPr lang="en-US" sz="700" b="0" i="0" spc="20" baseline="0" dirty="0">
+                <a:latin typeface="Futura Next Medium" panose="020B0602020204020303" pitchFamily="34" charset="77"/>
+              </a:rPr>
+              <a:t>copyright </a:t>
+            </a:r>
+            <a:r>
+              <a:rPr lang="en-US" sz="700" b="0" i="0" spc="20" baseline="0" dirty="0" err="1">
+                <a:latin typeface="Futura Next Medium" panose="020B0602020204020303" pitchFamily="34" charset="77"/>
+              </a:rPr>
+              <a:t>publicis</a:t>
+            </a:r>
+            <a:r>
+              <a:rPr lang="en-US" sz="700" b="0" i="0" spc="20" baseline="0" dirty="0">
+                <a:latin typeface="Futura Next Medium" panose="020B0602020204020303" pitchFamily="34" charset="77"/>
+              </a:rPr>
+              <a:t> sapient | confidential</a:t>
+            </a:r>
+          </a:p>
+        </p:txBody>
+      </p:sp>
+      <p:sp>
+        <p:nvSpPr>
+          <p:cNvPr id="4" name="Slide Number Placeholder 3">
+            <a:extLst>
+              <a:ext uri="{FF2B5EF4-FFF2-40B4-BE49-F238E27FC236}">
+                <a16:creationId xmlns:a16="http://schemas.microsoft.com/office/drawing/2014/main" id="{031AFE5F-9272-664A-9A90-2B4544EDBDDD}"/>
+              </a:ext>
+            </a:extLst>
+          </p:cNvPr>
+          <p:cNvSpPr>
+            <a:spLocks noGrp="1"/>
+          </p:cNvSpPr>
+          <p:nvPr>
+            <p:ph type="sldNum" sz="quarter" idx="4"/>
+          </p:nvPr>
+        </p:nvSpPr>
+        <p:spPr>
+          <a:xfrm>
+            <a:off x="11228832" y="6309360"/>
+            <a:ext cx="274320" cy="92333"/>
+          </a:xfrm>
+          <a:prstGeom prst="rect">
+            <a:avLst/>
+          </a:prstGeom>
+        </p:spPr>
+        <p:txBody>
+          <a:bodyPr vert="horz" lIns="0" tIns="0" rIns="0" bIns="0" rtlCol="0" anchor="ctr">
+            <a:noAutofit/>
+          </a:bodyPr>
+          <a:lstStyle>
+            <a:lvl1pPr algn="r">
+              <a:defRPr sz="600" b="0" i="0">
+                <a:solidFill>
+                  <a:schemeClr val="bg1"/>
+                </a:solidFill>
+                <a:latin typeface="Futura Next Medium" panose="020B0602020204020303" pitchFamily="34" charset="77"/>
+              </a:defRPr>
+            </a:lvl1pPr>
+          </a:lstStyle>
+          <a:p>
+            <a:fld id="{58B792A5-9BAE-6942-BFE1-9FCDB51EA51E}" type="slidenum">
+              <a:rPr lang="en-US" smtClean="0"/>
+              <a:pPr/>
+              <a:t>‹#›</a:t>
+            </a:fld>
+            <a:endParaRPr lang="en-US" dirty="0"/>
+          </a:p>
+        </p:txBody>
+      </p:sp>
+    </p:spTree>
+    <p:extLst>
+      <p:ext uri="{BB962C8B-B14F-4D97-AF65-F5344CB8AC3E}">
+        <p14:creationId xmlns:p14="http://schemas.microsoft.com/office/powerpoint/2010/main" val="1871770373"/>
+      </p:ext>
+    </p:extLst>
+  </p:cSld>
+  <p:clrMapOvr>
+    <a:masterClrMapping/>
+  </p:clrMapOvr>
+</p:sldLayout>
+</file>
+
+<file path=ppt/slideLayouts/slideLayout66.xml><?xml version="1.0" encoding="utf-8"?>
+<p:sldLayout xmlns:a="http://schemas.openxmlformats.org/drawingml/2006/main" xmlns:r="http://schemas.openxmlformats.org/officeDocument/2006/relationships" xmlns:p="http://schemas.openxmlformats.org/presentationml/2006/main" preserve="1" userDrawn="1">
+  <p:cSld name="Back Cover — Black">
     <p:bg>
       <p:bgPr>
         <a:solidFill>
-          <a:schemeClr val="accent2"/>
+          <a:schemeClr val="tx1"/>
+        </a:solidFill>
+        <a:effectLst/>
+      </p:bgPr>
+    </p:bg>
+    <p:spTree>
+      <p:nvGrpSpPr>
+        <p:cNvPr id="1" name=""/>
+        <p:cNvGrpSpPr/>
+        <p:nvPr/>
+      </p:nvGrpSpPr>
+      <p:grpSpPr>
+        <a:xfrm>
+          <a:off x="0" y="0"/>
+          <a:ext cx="0" cy="0"/>
+          <a:chOff x="0" y="0"/>
+          <a:chExt cx="0" cy="0"/>
+        </a:xfrm>
+      </p:grpSpPr>
+      <p:sp>
+        <p:nvSpPr>
+          <p:cNvPr id="3" name="TextBox 2">
+            <a:extLst>
+              <a:ext uri="{FF2B5EF4-FFF2-40B4-BE49-F238E27FC236}">
+                <a16:creationId xmlns:a16="http://schemas.microsoft.com/office/drawing/2014/main" id="{05D4B068-A093-8C4E-BCC3-CA584FE85F4D}"/>
+              </a:ext>
+            </a:extLst>
+          </p:cNvPr>
+          <p:cNvSpPr txBox="1"/>
+          <p:nvPr userDrawn="1"/>
+        </p:nvSpPr>
+        <p:spPr>
+          <a:xfrm>
+            <a:off x="685800" y="3099816"/>
+            <a:ext cx="10817352" cy="661720"/>
+          </a:xfrm>
+          <a:prstGeom prst="rect">
+            <a:avLst/>
+          </a:prstGeom>
+          <a:noFill/>
+        </p:spPr>
+        <p:txBody>
+          <a:bodyPr wrap="none" lIns="0" tIns="0" rIns="0" bIns="0" rtlCol="0">
+            <a:noAutofit/>
+          </a:bodyPr>
+          <a:lstStyle/>
+          <a:p>
+            <a:pPr algn="ctr"/>
+            <a:r>
+              <a:rPr lang="en-US" sz="4300" b="0" i="0" dirty="0">
+                <a:solidFill>
+                  <a:schemeClr val="bg1"/>
+                </a:solidFill>
+                <a:latin typeface="Futura Next Book" panose="020B0502020204020303" pitchFamily="34" charset="77"/>
+              </a:rPr>
+              <a:t>thank you</a:t>
+            </a:r>
+          </a:p>
+        </p:txBody>
+      </p:sp>
+      <p:sp>
+        <p:nvSpPr>
+          <p:cNvPr id="7" name="TextBox 6">
+            <a:extLst>
+              <a:ext uri="{FF2B5EF4-FFF2-40B4-BE49-F238E27FC236}">
+                <a16:creationId xmlns:a16="http://schemas.microsoft.com/office/drawing/2014/main" id="{2A71E849-9F96-D344-8B44-13241F15C909}"/>
+              </a:ext>
+            </a:extLst>
+          </p:cNvPr>
+          <p:cNvSpPr txBox="1"/>
+          <p:nvPr userDrawn="1"/>
+        </p:nvSpPr>
+        <p:spPr>
+          <a:xfrm>
+            <a:off x="685800" y="6291072"/>
+            <a:ext cx="10817352" cy="107722"/>
+          </a:xfrm>
+          <a:prstGeom prst="rect">
+            <a:avLst/>
+          </a:prstGeom>
+          <a:noFill/>
+        </p:spPr>
+        <p:txBody>
+          <a:bodyPr wrap="none" lIns="0" tIns="0" rIns="0" bIns="0" rtlCol="0">
+            <a:noAutofit/>
+          </a:bodyPr>
+          <a:lstStyle/>
+          <a:p>
+            <a:pPr algn="ctr"/>
+            <a:r>
+              <a:rPr lang="en-US" sz="700" b="0" i="0" spc="20" baseline="0" dirty="0">
+                <a:solidFill>
+                  <a:schemeClr val="bg1"/>
+                </a:solidFill>
+                <a:latin typeface="Futura Next Medium" panose="020B0602020204020303" pitchFamily="34" charset="77"/>
+              </a:rPr>
+              <a:t>copyright </a:t>
+            </a:r>
+            <a:r>
+              <a:rPr lang="en-US" sz="700" b="0" i="0" spc="20" baseline="0" dirty="0" err="1">
+                <a:solidFill>
+                  <a:schemeClr val="bg1"/>
+                </a:solidFill>
+                <a:latin typeface="Futura Next Medium" panose="020B0602020204020303" pitchFamily="34" charset="77"/>
+              </a:rPr>
+              <a:t>publicis</a:t>
+            </a:r>
+            <a:r>
+              <a:rPr lang="en-US" sz="700" b="0" i="0" spc="20" baseline="0" dirty="0">
+                <a:solidFill>
+                  <a:schemeClr val="bg1"/>
+                </a:solidFill>
+                <a:latin typeface="Futura Next Medium" panose="020B0602020204020303" pitchFamily="34" charset="77"/>
+              </a:rPr>
+              <a:t> sapient | confidential</a:t>
+            </a:r>
+          </a:p>
+        </p:txBody>
+      </p:sp>
+      <p:sp>
+        <p:nvSpPr>
+          <p:cNvPr id="4" name="Slide Number Placeholder 3">
+            <a:extLst>
+              <a:ext uri="{FF2B5EF4-FFF2-40B4-BE49-F238E27FC236}">
+                <a16:creationId xmlns:a16="http://schemas.microsoft.com/office/drawing/2014/main" id="{C3F1D690-9499-944F-AC1D-7168434A8E63}"/>
+              </a:ext>
+            </a:extLst>
+          </p:cNvPr>
+          <p:cNvSpPr>
+            <a:spLocks noGrp="1"/>
+          </p:cNvSpPr>
+          <p:nvPr>
+            <p:ph type="sldNum" sz="quarter" idx="4"/>
+          </p:nvPr>
+        </p:nvSpPr>
+        <p:spPr>
+          <a:xfrm>
+            <a:off x="11228832" y="6309360"/>
+            <a:ext cx="274320" cy="92333"/>
+          </a:xfrm>
+          <a:prstGeom prst="rect">
+            <a:avLst/>
+          </a:prstGeom>
+        </p:spPr>
+        <p:txBody>
+          <a:bodyPr vert="horz" lIns="0" tIns="0" rIns="0" bIns="0" rtlCol="0" anchor="ctr">
+            <a:noAutofit/>
+          </a:bodyPr>
+          <a:lstStyle>
+            <a:lvl1pPr algn="r">
+              <a:defRPr sz="600" b="0" i="0">
+                <a:solidFill>
+                  <a:schemeClr val="tx1"/>
+                </a:solidFill>
+                <a:latin typeface="Futura Next Medium" panose="020B0602020204020303" pitchFamily="34" charset="77"/>
+              </a:defRPr>
+            </a:lvl1pPr>
+          </a:lstStyle>
+          <a:p>
+            <a:fld id="{58B792A5-9BAE-6942-BFE1-9FCDB51EA51E}" type="slidenum">
+              <a:rPr lang="en-US" smtClean="0"/>
+              <a:pPr/>
+              <a:t>‹#›</a:t>
+            </a:fld>
+            <a:endParaRPr lang="en-US" dirty="0"/>
+          </a:p>
+        </p:txBody>
+      </p:sp>
+    </p:spTree>
+    <p:extLst>
+      <p:ext uri="{BB962C8B-B14F-4D97-AF65-F5344CB8AC3E}">
+        <p14:creationId xmlns:p14="http://schemas.microsoft.com/office/powerpoint/2010/main" val="2469089731"/>
+      </p:ext>
+    </p:extLst>
+  </p:cSld>
+  <p:clrMapOvr>
+    <a:masterClrMapping/>
+  </p:clrMapOvr>
+</p:sldLayout>
+</file>
+
+<file path=ppt/slideLayouts/slideLayout67.xml><?xml version="1.0" encoding="utf-8"?>
+<p:sldLayout xmlns:a="http://schemas.openxmlformats.org/drawingml/2006/main" xmlns:r="http://schemas.openxmlformats.org/officeDocument/2006/relationships" xmlns:p="http://schemas.openxmlformats.org/presentationml/2006/main" preserve="1" userDrawn="1">
+  <p:cSld name="Back Cover — Red">
+    <p:bg>
+      <p:bgPr>
+        <a:solidFill>
+          <a:schemeClr val="accent1"/>
+        </a:solidFill>
+        <a:effectLst/>
+      </p:bgPr>
+    </p:bg>
+    <p:spTree>
+      <p:nvGrpSpPr>
+        <p:cNvPr id="1" name=""/>
+        <p:cNvGrpSpPr/>
+        <p:nvPr/>
+      </p:nvGrpSpPr>
+      <p:grpSpPr>
+        <a:xfrm>
+          <a:off x="0" y="0"/>
+          <a:ext cx="0" cy="0"/>
+          <a:chOff x="0" y="0"/>
+          <a:chExt cx="0" cy="0"/>
+        </a:xfrm>
+      </p:grpSpPr>
+      <p:sp>
+        <p:nvSpPr>
+          <p:cNvPr id="3" name="TextBox 2">
+            <a:extLst>
+              <a:ext uri="{FF2B5EF4-FFF2-40B4-BE49-F238E27FC236}">
+                <a16:creationId xmlns:a16="http://schemas.microsoft.com/office/drawing/2014/main" id="{05D4B068-A093-8C4E-BCC3-CA584FE85F4D}"/>
+              </a:ext>
+            </a:extLst>
+          </p:cNvPr>
+          <p:cNvSpPr txBox="1"/>
+          <p:nvPr userDrawn="1"/>
+        </p:nvSpPr>
+        <p:spPr>
+          <a:xfrm>
+            <a:off x="685800" y="3099816"/>
+            <a:ext cx="10817352" cy="661720"/>
+          </a:xfrm>
+          <a:prstGeom prst="rect">
+            <a:avLst/>
+          </a:prstGeom>
+          <a:noFill/>
+        </p:spPr>
+        <p:txBody>
+          <a:bodyPr wrap="none" lIns="0" tIns="0" rIns="0" bIns="0" rtlCol="0">
+            <a:noAutofit/>
+          </a:bodyPr>
+          <a:lstStyle/>
+          <a:p>
+            <a:pPr algn="ctr"/>
+            <a:r>
+              <a:rPr lang="en-US" sz="4300" b="0" i="0" dirty="0">
+                <a:solidFill>
+                  <a:schemeClr val="bg1"/>
+                </a:solidFill>
+                <a:latin typeface="Futura Next Book" panose="020B0502020204020303" pitchFamily="34" charset="77"/>
+              </a:rPr>
+              <a:t>thank you</a:t>
+            </a:r>
+          </a:p>
+        </p:txBody>
+      </p:sp>
+      <p:sp>
+        <p:nvSpPr>
+          <p:cNvPr id="7" name="TextBox 6">
+            <a:extLst>
+              <a:ext uri="{FF2B5EF4-FFF2-40B4-BE49-F238E27FC236}">
+                <a16:creationId xmlns:a16="http://schemas.microsoft.com/office/drawing/2014/main" id="{2A71E849-9F96-D344-8B44-13241F15C909}"/>
+              </a:ext>
+            </a:extLst>
+          </p:cNvPr>
+          <p:cNvSpPr txBox="1"/>
+          <p:nvPr userDrawn="1"/>
+        </p:nvSpPr>
+        <p:spPr>
+          <a:xfrm>
+            <a:off x="685800" y="6291072"/>
+            <a:ext cx="10817352" cy="107722"/>
+          </a:xfrm>
+          <a:prstGeom prst="rect">
+            <a:avLst/>
+          </a:prstGeom>
+          <a:noFill/>
+        </p:spPr>
+        <p:txBody>
+          <a:bodyPr wrap="none" lIns="0" tIns="0" rIns="0" bIns="0" rtlCol="0">
+            <a:noAutofit/>
+          </a:bodyPr>
+          <a:lstStyle/>
+          <a:p>
+            <a:pPr algn="ctr"/>
+            <a:r>
+              <a:rPr lang="en-US" sz="700" b="0" i="0" spc="20" baseline="0" dirty="0">
+                <a:solidFill>
+                  <a:schemeClr val="bg1"/>
+                </a:solidFill>
+                <a:latin typeface="Futura Next Medium" panose="020B0602020204020303" pitchFamily="34" charset="77"/>
+              </a:rPr>
+              <a:t>copyright </a:t>
+            </a:r>
+            <a:r>
+              <a:rPr lang="en-US" sz="700" b="0" i="0" spc="20" baseline="0" dirty="0" err="1">
+                <a:solidFill>
+                  <a:schemeClr val="bg1"/>
+                </a:solidFill>
+                <a:latin typeface="Futura Next Medium" panose="020B0602020204020303" pitchFamily="34" charset="77"/>
+              </a:rPr>
+              <a:t>publicis</a:t>
+            </a:r>
+            <a:r>
+              <a:rPr lang="en-US" sz="700" b="0" i="0" spc="20" baseline="0" dirty="0">
+                <a:solidFill>
+                  <a:schemeClr val="bg1"/>
+                </a:solidFill>
+                <a:latin typeface="Futura Next Medium" panose="020B0602020204020303" pitchFamily="34" charset="77"/>
+              </a:rPr>
+              <a:t> sapient | confidential</a:t>
+            </a:r>
+          </a:p>
+        </p:txBody>
+      </p:sp>
+      <p:sp>
+        <p:nvSpPr>
+          <p:cNvPr id="4" name="Slide Number Placeholder 3">
+            <a:extLst>
+              <a:ext uri="{FF2B5EF4-FFF2-40B4-BE49-F238E27FC236}">
+                <a16:creationId xmlns:a16="http://schemas.microsoft.com/office/drawing/2014/main" id="{9D35D841-60FA-F54C-8361-3125225056DE}"/>
+              </a:ext>
+            </a:extLst>
+          </p:cNvPr>
+          <p:cNvSpPr>
+            <a:spLocks noGrp="1"/>
+          </p:cNvSpPr>
+          <p:nvPr>
+            <p:ph type="sldNum" sz="quarter" idx="4"/>
+          </p:nvPr>
+        </p:nvSpPr>
+        <p:spPr>
+          <a:xfrm>
+            <a:off x="11228832" y="6309360"/>
+            <a:ext cx="274320" cy="92333"/>
+          </a:xfrm>
+          <a:prstGeom prst="rect">
+            <a:avLst/>
+          </a:prstGeom>
+        </p:spPr>
+        <p:txBody>
+          <a:bodyPr vert="horz" lIns="0" tIns="0" rIns="0" bIns="0" rtlCol="0" anchor="ctr">
+            <a:noAutofit/>
+          </a:bodyPr>
+          <a:lstStyle>
+            <a:lvl1pPr algn="r">
+              <a:defRPr sz="600" b="0" i="0">
+                <a:solidFill>
+                  <a:schemeClr val="accent1"/>
+                </a:solidFill>
+                <a:latin typeface="Futura Next Medium" panose="020B0602020204020303" pitchFamily="34" charset="77"/>
+              </a:defRPr>
+            </a:lvl1pPr>
+          </a:lstStyle>
+          <a:p>
+            <a:fld id="{58B792A5-9BAE-6942-BFE1-9FCDB51EA51E}" type="slidenum">
+              <a:rPr lang="en-US" smtClean="0"/>
+              <a:pPr/>
+              <a:t>‹#›</a:t>
+            </a:fld>
+            <a:endParaRPr lang="en-US" dirty="0"/>
+          </a:p>
+        </p:txBody>
+      </p:sp>
+    </p:spTree>
+    <p:extLst>
+      <p:ext uri="{BB962C8B-B14F-4D97-AF65-F5344CB8AC3E}">
+        <p14:creationId xmlns:p14="http://schemas.microsoft.com/office/powerpoint/2010/main" val="1077038167"/>
+      </p:ext>
+    </p:extLst>
+  </p:cSld>
+  <p:clrMapOvr>
+    <a:masterClrMapping/>
+  </p:clrMapOvr>
+</p:sldLayout>
+</file>
+
+<file path=ppt/slideLayouts/slideLayout68.xml><?xml version="1.0" encoding="utf-8"?>
+<p:sldLayout xmlns:a="http://schemas.openxmlformats.org/drawingml/2006/main" xmlns:r="http://schemas.openxmlformats.org/officeDocument/2006/relationships" xmlns:p="http://schemas.openxmlformats.org/presentationml/2006/main" type="title" preserve="1">
+  <p:cSld name="Title Slide">
+    <p:spTree>
+      <p:nvGrpSpPr>
+        <p:cNvPr id="1" name=""/>
+        <p:cNvGrpSpPr/>
+        <p:nvPr/>
+      </p:nvGrpSpPr>
+      <p:grpSpPr>
+        <a:xfrm>
+          <a:off x="0" y="0"/>
+          <a:ext cx="0" cy="0"/>
+          <a:chOff x="0" y="0"/>
+          <a:chExt cx="0" cy="0"/>
+        </a:xfrm>
+      </p:grpSpPr>
+      <p:sp>
+        <p:nvSpPr>
+          <p:cNvPr id="2" name="Title 1"/>
+          <p:cNvSpPr>
+            <a:spLocks noGrp="1"/>
+          </p:cNvSpPr>
+          <p:nvPr>
+            <p:ph type="ctrTitle"/>
+          </p:nvPr>
+        </p:nvSpPr>
+        <p:spPr>
+          <a:xfrm>
+            <a:off x="1524000" y="1122363"/>
+            <a:ext cx="9144000" cy="2387600"/>
+          </a:xfrm>
+        </p:spPr>
+        <p:txBody>
+          <a:bodyPr anchor="b"/>
+          <a:lstStyle>
+            <a:lvl1pPr algn="ctr">
+              <a:defRPr sz="6000"/>
+            </a:lvl1pPr>
+          </a:lstStyle>
+          <a:p>
+            <a:r>
+              <a:rPr lang="en-GB"/>
+              <a:t>Click to edit Master title style</a:t>
+            </a:r>
+            <a:endParaRPr lang="en-US" dirty="0"/>
+          </a:p>
+        </p:txBody>
+      </p:sp>
+      <p:sp>
+        <p:nvSpPr>
+          <p:cNvPr id="3" name="Subtitle 2"/>
+          <p:cNvSpPr>
+            <a:spLocks noGrp="1"/>
+          </p:cNvSpPr>
+          <p:nvPr>
+            <p:ph type="subTitle" idx="1"/>
+          </p:nvPr>
+        </p:nvSpPr>
+        <p:spPr>
+          <a:xfrm>
+            <a:off x="1524000" y="3602038"/>
+            <a:ext cx="9144000" cy="1655762"/>
+          </a:xfrm>
+        </p:spPr>
+        <p:txBody>
+          <a:bodyPr/>
+          <a:lstStyle>
+            <a:lvl1pPr marL="0" indent="0" algn="ctr">
+              <a:buNone/>
+              <a:defRPr sz="2400"/>
+            </a:lvl1pPr>
+            <a:lvl2pPr marL="457200" indent="0" algn="ctr">
+              <a:buNone/>
+              <a:defRPr sz="2000"/>
+            </a:lvl2pPr>
+            <a:lvl3pPr marL="914400" indent="0" algn="ctr">
+              <a:buNone/>
+              <a:defRPr sz="1800"/>
+            </a:lvl3pPr>
+            <a:lvl4pPr marL="1371600" indent="0" algn="ctr">
+              <a:buNone/>
+              <a:defRPr sz="1600"/>
+            </a:lvl4pPr>
+            <a:lvl5pPr marL="1828800" indent="0" algn="ctr">
+              <a:buNone/>
+              <a:defRPr sz="1600"/>
+            </a:lvl5pPr>
+            <a:lvl6pPr marL="2286000" indent="0" algn="ctr">
+              <a:buNone/>
+              <a:defRPr sz="1600"/>
+            </a:lvl6pPr>
+            <a:lvl7pPr marL="2743200" indent="0" algn="ctr">
+              <a:buNone/>
+              <a:defRPr sz="1600"/>
+            </a:lvl7pPr>
+            <a:lvl8pPr marL="3200400" indent="0" algn="ctr">
+              <a:buNone/>
+              <a:defRPr sz="1600"/>
+            </a:lvl8pPr>
+            <a:lvl9pPr marL="3657600" indent="0" algn="ctr">
+              <a:buNone/>
+              <a:defRPr sz="1600"/>
+            </a:lvl9pPr>
+          </a:lstStyle>
+          <a:p>
+            <a:r>
+              <a:rPr lang="en-GB"/>
+              <a:t>Click to edit Master subtitle style</a:t>
+            </a:r>
+            <a:endParaRPr lang="en-US" dirty="0"/>
+          </a:p>
+        </p:txBody>
+      </p:sp>
+      <p:sp>
+        <p:nvSpPr>
+          <p:cNvPr id="4" name="Date Placeholder 3"/>
+          <p:cNvSpPr>
+            <a:spLocks noGrp="1"/>
+          </p:cNvSpPr>
+          <p:nvPr>
+            <p:ph type="dt" sz="half" idx="10"/>
+          </p:nvPr>
+        </p:nvSpPr>
+        <p:spPr/>
+        <p:txBody>
+          <a:bodyPr/>
+          <a:lstStyle/>
+          <a:p>
+            <a:fld id="{C764DE79-268F-4C1A-8933-263129D2AF90}" type="datetimeFigureOut">
+              <a:rPr lang="en-US" smtClean="0"/>
+              <a:t>4/6/20</a:t>
+            </a:fld>
+            <a:endParaRPr lang="en-US" dirty="0"/>
+          </a:p>
+        </p:txBody>
+      </p:sp>
+      <p:sp>
+        <p:nvSpPr>
+          <p:cNvPr id="5" name="Footer Placeholder 4"/>
+          <p:cNvSpPr>
+            <a:spLocks noGrp="1"/>
+          </p:cNvSpPr>
+          <p:nvPr>
+            <p:ph type="ftr" sz="quarter" idx="11"/>
+          </p:nvPr>
+        </p:nvSpPr>
+        <p:spPr/>
+        <p:txBody>
+          <a:bodyPr/>
+          <a:lstStyle/>
+          <a:p>
+            <a:endParaRPr lang="en-US" dirty="0"/>
+          </a:p>
+        </p:txBody>
+      </p:sp>
+      <p:sp>
+        <p:nvSpPr>
+          <p:cNvPr id="6" name="Slide Number Placeholder 5"/>
+          <p:cNvSpPr>
+            <a:spLocks noGrp="1"/>
+          </p:cNvSpPr>
+          <p:nvPr>
+            <p:ph type="sldNum" sz="quarter" idx="12"/>
+          </p:nvPr>
+        </p:nvSpPr>
+        <p:spPr/>
+        <p:txBody>
+          <a:bodyPr/>
+          <a:lstStyle/>
+          <a:p>
+            <a:fld id="{58B792A5-9BAE-6942-BFE1-9FCDB51EA51E}" type="slidenum">
+              <a:rPr lang="en-US" smtClean="0"/>
+              <a:pPr/>
+              <a:t>‹#›</a:t>
+            </a:fld>
+            <a:endParaRPr lang="en-US" dirty="0"/>
+          </a:p>
+        </p:txBody>
+      </p:sp>
+    </p:spTree>
+    <p:extLst>
+      <p:ext uri="{BB962C8B-B14F-4D97-AF65-F5344CB8AC3E}">
+        <p14:creationId xmlns:p14="http://schemas.microsoft.com/office/powerpoint/2010/main" val="2353647648"/>
+      </p:ext>
+    </p:extLst>
+  </p:cSld>
+  <p:clrMapOvr>
+    <a:masterClrMapping/>
+  </p:clrMapOvr>
+  <p:hf hdr="0" ftr="0" dt="0"/>
+</p:sldLayout>
+</file>
+
+<file path=ppt/slideLayouts/slideLayout69.xml><?xml version="1.0" encoding="utf-8"?>
+<p:sldLayout xmlns:a="http://schemas.openxmlformats.org/drawingml/2006/main" xmlns:r="http://schemas.openxmlformats.org/officeDocument/2006/relationships" xmlns:p="http://schemas.openxmlformats.org/presentationml/2006/main" type="obj" preserve="1">
+  <p:cSld name="Title and Content">
+    <p:spTree>
+      <p:nvGrpSpPr>
+        <p:cNvPr id="1" name=""/>
+        <p:cNvGrpSpPr/>
+        <p:nvPr/>
+      </p:nvGrpSpPr>
+      <p:grpSpPr>
+        <a:xfrm>
+          <a:off x="0" y="0"/>
+          <a:ext cx="0" cy="0"/>
+          <a:chOff x="0" y="0"/>
+          <a:chExt cx="0" cy="0"/>
+        </a:xfrm>
+      </p:grpSpPr>
+      <p:sp>
+        <p:nvSpPr>
+          <p:cNvPr id="2" name="Title 1"/>
+          <p:cNvSpPr>
+            <a:spLocks noGrp="1"/>
+          </p:cNvSpPr>
+          <p:nvPr>
+            <p:ph type="title"/>
+          </p:nvPr>
+        </p:nvSpPr>
+        <p:spPr/>
+        <p:txBody>
+          <a:bodyPr/>
+          <a:lstStyle/>
+          <a:p>
+            <a:r>
+              <a:rPr lang="en-GB"/>
+              <a:t>Click to edit Master title style</a:t>
+            </a:r>
+            <a:endParaRPr lang="en-US" dirty="0"/>
+          </a:p>
+        </p:txBody>
+      </p:sp>
+      <p:sp>
+        <p:nvSpPr>
+          <p:cNvPr id="3" name="Content Placeholder 2"/>
+          <p:cNvSpPr>
+            <a:spLocks noGrp="1"/>
+          </p:cNvSpPr>
+          <p:nvPr>
+            <p:ph idx="1"/>
+          </p:nvPr>
+        </p:nvSpPr>
+        <p:spPr/>
+        <p:txBody>
+          <a:bodyPr/>
+          <a:lstStyle/>
+          <a:p>
+            <a:pPr lvl="0"/>
+            <a:r>
+              <a:rPr lang="en-GB"/>
+              <a:t>Click to edit Master text styles</a:t>
+            </a:r>
+          </a:p>
+          <a:p>
+            <a:pPr lvl="1"/>
+            <a:r>
+              <a:rPr lang="en-GB"/>
+              <a:t>Second level</a:t>
+            </a:r>
+          </a:p>
+          <a:p>
+            <a:pPr lvl="2"/>
+            <a:r>
+              <a:rPr lang="en-GB"/>
+              <a:t>Third level</a:t>
+            </a:r>
+          </a:p>
+          <a:p>
+            <a:pPr lvl="3"/>
+            <a:r>
+              <a:rPr lang="en-GB"/>
+              <a:t>Fourth level</a:t>
+            </a:r>
+          </a:p>
+          <a:p>
+            <a:pPr lvl="4"/>
+            <a:r>
+              <a:rPr lang="en-GB"/>
+              <a:t>Fifth level</a:t>
+            </a:r>
+            <a:endParaRPr lang="en-US" dirty="0"/>
+          </a:p>
+        </p:txBody>
+      </p:sp>
+      <p:sp>
+        <p:nvSpPr>
+          <p:cNvPr id="4" name="Date Placeholder 3"/>
+          <p:cNvSpPr>
+            <a:spLocks noGrp="1"/>
+          </p:cNvSpPr>
+          <p:nvPr>
+            <p:ph type="dt" sz="half" idx="10"/>
+          </p:nvPr>
+        </p:nvSpPr>
+        <p:spPr/>
+        <p:txBody>
+          <a:bodyPr/>
+          <a:lstStyle/>
+          <a:p>
+            <a:fld id="{C764DE79-268F-4C1A-8933-263129D2AF90}" type="datetimeFigureOut">
+              <a:rPr lang="en-US" smtClean="0"/>
+              <a:t>4/6/20</a:t>
+            </a:fld>
+            <a:endParaRPr lang="en-US" dirty="0"/>
+          </a:p>
+        </p:txBody>
+      </p:sp>
+      <p:sp>
+        <p:nvSpPr>
+          <p:cNvPr id="5" name="Footer Placeholder 4"/>
+          <p:cNvSpPr>
+            <a:spLocks noGrp="1"/>
+          </p:cNvSpPr>
+          <p:nvPr>
+            <p:ph type="ftr" sz="quarter" idx="11"/>
+          </p:nvPr>
+        </p:nvSpPr>
+        <p:spPr/>
+        <p:txBody>
+          <a:bodyPr/>
+          <a:lstStyle/>
+          <a:p>
+            <a:endParaRPr lang="en-US" dirty="0"/>
+          </a:p>
+        </p:txBody>
+      </p:sp>
+      <p:sp>
+        <p:nvSpPr>
+          <p:cNvPr id="6" name="Slide Number Placeholder 5"/>
+          <p:cNvSpPr>
+            <a:spLocks noGrp="1"/>
+          </p:cNvSpPr>
+          <p:nvPr>
+            <p:ph type="sldNum" sz="quarter" idx="12"/>
+          </p:nvPr>
+        </p:nvSpPr>
+        <p:spPr/>
+        <p:txBody>
+          <a:bodyPr/>
+          <a:lstStyle/>
+          <a:p>
+            <a:fld id="{58B792A5-9BAE-6942-BFE1-9FCDB51EA51E}" type="slidenum">
+              <a:rPr lang="en-US" smtClean="0"/>
+              <a:pPr/>
+              <a:t>‹#›</a:t>
+            </a:fld>
+            <a:endParaRPr lang="en-US" dirty="0"/>
+          </a:p>
+        </p:txBody>
+      </p:sp>
+    </p:spTree>
+    <p:extLst>
+      <p:ext uri="{BB962C8B-B14F-4D97-AF65-F5344CB8AC3E}">
+        <p14:creationId xmlns:p14="http://schemas.microsoft.com/office/powerpoint/2010/main" val="1139885885"/>
+      </p:ext>
+    </p:extLst>
+  </p:cSld>
+  <p:clrMapOvr>
+    <a:masterClrMapping/>
+  </p:clrMapOvr>
+  <p:hf hdr="0" ftr="0" dt="0"/>
+</p:sldLayout>
+</file>
+
+<file path=ppt/slideLayouts/slideLayout7.xml><?xml version="1.0" encoding="utf-8"?>
+<p:sldLayout xmlns:a="http://schemas.openxmlformats.org/drawingml/2006/main" xmlns:r="http://schemas.openxmlformats.org/officeDocument/2006/relationships" xmlns:p="http://schemas.openxmlformats.org/presentationml/2006/main" type="title">
+  <p:cSld name="Divider — Red 1 line">
+    <p:bg>
+      <p:bgPr>
+        <a:solidFill>
+          <a:schemeClr val="accent1"/>
         </a:solidFill>
         <a:effectLst/>
       </p:bgPr>
@@ -19447,1131 +20267,6 @@
     </p:spTree>
     <p:extLst>
       <p:ext uri="{BB962C8B-B14F-4D97-AF65-F5344CB8AC3E}">
-        <p14:creationId xmlns:p14="http://schemas.microsoft.com/office/powerpoint/2010/main" val="2876307133"/>
-      </p:ext>
-    </p:extLst>
-  </p:cSld>
-  <p:clrMapOvr>
-    <a:masterClrMapping/>
-  </p:clrMapOvr>
-</p:sldLayout>
-</file>
-
-<file path=ppt/slideLayouts/slideLayout66.xml><?xml version="1.0" encoding="utf-8"?>
-<p:sldLayout xmlns:a="http://schemas.openxmlformats.org/drawingml/2006/main" xmlns:r="http://schemas.openxmlformats.org/officeDocument/2006/relationships" xmlns:p="http://schemas.openxmlformats.org/presentationml/2006/main" preserve="1" userDrawn="1">
-  <p:cSld name="Back Cover — White">
-    <p:spTree>
-      <p:nvGrpSpPr>
-        <p:cNvPr id="1" name=""/>
-        <p:cNvGrpSpPr/>
-        <p:nvPr/>
-      </p:nvGrpSpPr>
-      <p:grpSpPr>
-        <a:xfrm>
-          <a:off x="0" y="0"/>
-          <a:ext cx="0" cy="0"/>
-          <a:chOff x="0" y="0"/>
-          <a:chExt cx="0" cy="0"/>
-        </a:xfrm>
-      </p:grpSpPr>
-      <p:sp>
-        <p:nvSpPr>
-          <p:cNvPr id="3" name="TextBox 2">
-            <a:extLst>
-              <a:ext uri="{FF2B5EF4-FFF2-40B4-BE49-F238E27FC236}">
-                <a16:creationId xmlns:a16="http://schemas.microsoft.com/office/drawing/2014/main" id="{05D4B068-A093-8C4E-BCC3-CA584FE85F4D}"/>
-              </a:ext>
-            </a:extLst>
-          </p:cNvPr>
-          <p:cNvSpPr txBox="1"/>
-          <p:nvPr userDrawn="1"/>
-        </p:nvSpPr>
-        <p:spPr>
-          <a:xfrm>
-            <a:off x="685800" y="3099816"/>
-            <a:ext cx="10817352" cy="661720"/>
-          </a:xfrm>
-          <a:prstGeom prst="rect">
-            <a:avLst/>
-          </a:prstGeom>
-          <a:noFill/>
-        </p:spPr>
-        <p:txBody>
-          <a:bodyPr wrap="none" lIns="0" tIns="0" rIns="0" bIns="0" rtlCol="0">
-            <a:noAutofit/>
-          </a:bodyPr>
-          <a:lstStyle/>
-          <a:p>
-            <a:pPr algn="ctr"/>
-            <a:r>
-              <a:rPr lang="en-US" sz="4300" b="0" i="0" dirty="0">
-                <a:latin typeface="Futura Next Book" panose="020B0502020204020303" pitchFamily="34" charset="77"/>
-              </a:rPr>
-              <a:t>thank you</a:t>
-            </a:r>
-          </a:p>
-        </p:txBody>
-      </p:sp>
-      <p:sp>
-        <p:nvSpPr>
-          <p:cNvPr id="7" name="TextBox 6">
-            <a:extLst>
-              <a:ext uri="{FF2B5EF4-FFF2-40B4-BE49-F238E27FC236}">
-                <a16:creationId xmlns:a16="http://schemas.microsoft.com/office/drawing/2014/main" id="{2A71E849-9F96-D344-8B44-13241F15C909}"/>
-              </a:ext>
-            </a:extLst>
-          </p:cNvPr>
-          <p:cNvSpPr txBox="1"/>
-          <p:nvPr userDrawn="1"/>
-        </p:nvSpPr>
-        <p:spPr>
-          <a:xfrm>
-            <a:off x="685800" y="6291072"/>
-            <a:ext cx="10817352" cy="107722"/>
-          </a:xfrm>
-          <a:prstGeom prst="rect">
-            <a:avLst/>
-          </a:prstGeom>
-          <a:noFill/>
-        </p:spPr>
-        <p:txBody>
-          <a:bodyPr wrap="none" lIns="0" tIns="0" rIns="0" bIns="0" rtlCol="0">
-            <a:noAutofit/>
-          </a:bodyPr>
-          <a:lstStyle/>
-          <a:p>
-            <a:pPr algn="ctr"/>
-            <a:r>
-              <a:rPr lang="en-US" sz="700" b="0" i="0" spc="20" baseline="0" dirty="0">
-                <a:latin typeface="Futura Next Medium" panose="020B0602020204020303" pitchFamily="34" charset="77"/>
-              </a:rPr>
-              <a:t>copyright </a:t>
-            </a:r>
-            <a:r>
-              <a:rPr lang="en-US" sz="700" b="0" i="0" spc="20" baseline="0" dirty="0" err="1">
-                <a:latin typeface="Futura Next Medium" panose="020B0602020204020303" pitchFamily="34" charset="77"/>
-              </a:rPr>
-              <a:t>publicis</a:t>
-            </a:r>
-            <a:r>
-              <a:rPr lang="en-US" sz="700" b="0" i="0" spc="20" baseline="0" dirty="0">
-                <a:latin typeface="Futura Next Medium" panose="020B0602020204020303" pitchFamily="34" charset="77"/>
-              </a:rPr>
-              <a:t> sapient | confidential</a:t>
-            </a:r>
-          </a:p>
-        </p:txBody>
-      </p:sp>
-      <p:sp>
-        <p:nvSpPr>
-          <p:cNvPr id="4" name="Slide Number Placeholder 3">
-            <a:extLst>
-              <a:ext uri="{FF2B5EF4-FFF2-40B4-BE49-F238E27FC236}">
-                <a16:creationId xmlns:a16="http://schemas.microsoft.com/office/drawing/2014/main" id="{031AFE5F-9272-664A-9A90-2B4544EDBDDD}"/>
-              </a:ext>
-            </a:extLst>
-          </p:cNvPr>
-          <p:cNvSpPr>
-            <a:spLocks noGrp="1"/>
-          </p:cNvSpPr>
-          <p:nvPr>
-            <p:ph type="sldNum" sz="quarter" idx="4"/>
-          </p:nvPr>
-        </p:nvSpPr>
-        <p:spPr>
-          <a:xfrm>
-            <a:off x="11228832" y="6309360"/>
-            <a:ext cx="274320" cy="92333"/>
-          </a:xfrm>
-          <a:prstGeom prst="rect">
-            <a:avLst/>
-          </a:prstGeom>
-        </p:spPr>
-        <p:txBody>
-          <a:bodyPr vert="horz" lIns="0" tIns="0" rIns="0" bIns="0" rtlCol="0" anchor="ctr">
-            <a:noAutofit/>
-          </a:bodyPr>
-          <a:lstStyle>
-            <a:lvl1pPr algn="r">
-              <a:defRPr sz="600" b="0" i="0">
-                <a:solidFill>
-                  <a:schemeClr val="bg1"/>
-                </a:solidFill>
-                <a:latin typeface="Futura Next Medium" panose="020B0602020204020303" pitchFamily="34" charset="77"/>
-              </a:defRPr>
-            </a:lvl1pPr>
-          </a:lstStyle>
-          <a:p>
-            <a:fld id="{58B792A5-9BAE-6942-BFE1-9FCDB51EA51E}" type="slidenum">
-              <a:rPr lang="en-US" smtClean="0"/>
-              <a:pPr/>
-              <a:t>‹#›</a:t>
-            </a:fld>
-            <a:endParaRPr lang="en-US" dirty="0"/>
-          </a:p>
-        </p:txBody>
-      </p:sp>
-    </p:spTree>
-    <p:extLst>
-      <p:ext uri="{BB962C8B-B14F-4D97-AF65-F5344CB8AC3E}">
-        <p14:creationId xmlns:p14="http://schemas.microsoft.com/office/powerpoint/2010/main" val="1871770373"/>
-      </p:ext>
-    </p:extLst>
-  </p:cSld>
-  <p:clrMapOvr>
-    <a:masterClrMapping/>
-  </p:clrMapOvr>
-</p:sldLayout>
-</file>
-
-<file path=ppt/slideLayouts/slideLayout67.xml><?xml version="1.0" encoding="utf-8"?>
-<p:sldLayout xmlns:a="http://schemas.openxmlformats.org/drawingml/2006/main" xmlns:r="http://schemas.openxmlformats.org/officeDocument/2006/relationships" xmlns:p="http://schemas.openxmlformats.org/presentationml/2006/main" preserve="1" userDrawn="1">
-  <p:cSld name="Back Cover — Black">
-    <p:bg>
-      <p:bgPr>
-        <a:solidFill>
-          <a:schemeClr val="tx1"/>
-        </a:solidFill>
-        <a:effectLst/>
-      </p:bgPr>
-    </p:bg>
-    <p:spTree>
-      <p:nvGrpSpPr>
-        <p:cNvPr id="1" name=""/>
-        <p:cNvGrpSpPr/>
-        <p:nvPr/>
-      </p:nvGrpSpPr>
-      <p:grpSpPr>
-        <a:xfrm>
-          <a:off x="0" y="0"/>
-          <a:ext cx="0" cy="0"/>
-          <a:chOff x="0" y="0"/>
-          <a:chExt cx="0" cy="0"/>
-        </a:xfrm>
-      </p:grpSpPr>
-      <p:sp>
-        <p:nvSpPr>
-          <p:cNvPr id="3" name="TextBox 2">
-            <a:extLst>
-              <a:ext uri="{FF2B5EF4-FFF2-40B4-BE49-F238E27FC236}">
-                <a16:creationId xmlns:a16="http://schemas.microsoft.com/office/drawing/2014/main" id="{05D4B068-A093-8C4E-BCC3-CA584FE85F4D}"/>
-              </a:ext>
-            </a:extLst>
-          </p:cNvPr>
-          <p:cNvSpPr txBox="1"/>
-          <p:nvPr userDrawn="1"/>
-        </p:nvSpPr>
-        <p:spPr>
-          <a:xfrm>
-            <a:off x="685800" y="3099816"/>
-            <a:ext cx="10817352" cy="661720"/>
-          </a:xfrm>
-          <a:prstGeom prst="rect">
-            <a:avLst/>
-          </a:prstGeom>
-          <a:noFill/>
-        </p:spPr>
-        <p:txBody>
-          <a:bodyPr wrap="none" lIns="0" tIns="0" rIns="0" bIns="0" rtlCol="0">
-            <a:noAutofit/>
-          </a:bodyPr>
-          <a:lstStyle/>
-          <a:p>
-            <a:pPr algn="ctr"/>
-            <a:r>
-              <a:rPr lang="en-US" sz="4300" b="0" i="0" dirty="0">
-                <a:solidFill>
-                  <a:schemeClr val="bg1"/>
-                </a:solidFill>
-                <a:latin typeface="Futura Next Book" panose="020B0502020204020303" pitchFamily="34" charset="77"/>
-              </a:rPr>
-              <a:t>thank you</a:t>
-            </a:r>
-          </a:p>
-        </p:txBody>
-      </p:sp>
-      <p:sp>
-        <p:nvSpPr>
-          <p:cNvPr id="7" name="TextBox 6">
-            <a:extLst>
-              <a:ext uri="{FF2B5EF4-FFF2-40B4-BE49-F238E27FC236}">
-                <a16:creationId xmlns:a16="http://schemas.microsoft.com/office/drawing/2014/main" id="{2A71E849-9F96-D344-8B44-13241F15C909}"/>
-              </a:ext>
-            </a:extLst>
-          </p:cNvPr>
-          <p:cNvSpPr txBox="1"/>
-          <p:nvPr userDrawn="1"/>
-        </p:nvSpPr>
-        <p:spPr>
-          <a:xfrm>
-            <a:off x="685800" y="6291072"/>
-            <a:ext cx="10817352" cy="107722"/>
-          </a:xfrm>
-          <a:prstGeom prst="rect">
-            <a:avLst/>
-          </a:prstGeom>
-          <a:noFill/>
-        </p:spPr>
-        <p:txBody>
-          <a:bodyPr wrap="none" lIns="0" tIns="0" rIns="0" bIns="0" rtlCol="0">
-            <a:noAutofit/>
-          </a:bodyPr>
-          <a:lstStyle/>
-          <a:p>
-            <a:pPr algn="ctr"/>
-            <a:r>
-              <a:rPr lang="en-US" sz="700" b="0" i="0" spc="20" baseline="0" dirty="0">
-                <a:solidFill>
-                  <a:schemeClr val="bg1"/>
-                </a:solidFill>
-                <a:latin typeface="Futura Next Medium" panose="020B0602020204020303" pitchFamily="34" charset="77"/>
-              </a:rPr>
-              <a:t>copyright </a:t>
-            </a:r>
-            <a:r>
-              <a:rPr lang="en-US" sz="700" b="0" i="0" spc="20" baseline="0" dirty="0" err="1">
-                <a:solidFill>
-                  <a:schemeClr val="bg1"/>
-                </a:solidFill>
-                <a:latin typeface="Futura Next Medium" panose="020B0602020204020303" pitchFamily="34" charset="77"/>
-              </a:rPr>
-              <a:t>publicis</a:t>
-            </a:r>
-            <a:r>
-              <a:rPr lang="en-US" sz="700" b="0" i="0" spc="20" baseline="0" dirty="0">
-                <a:solidFill>
-                  <a:schemeClr val="bg1"/>
-                </a:solidFill>
-                <a:latin typeface="Futura Next Medium" panose="020B0602020204020303" pitchFamily="34" charset="77"/>
-              </a:rPr>
-              <a:t> sapient | confidential</a:t>
-            </a:r>
-          </a:p>
-        </p:txBody>
-      </p:sp>
-      <p:sp>
-        <p:nvSpPr>
-          <p:cNvPr id="4" name="Slide Number Placeholder 3">
-            <a:extLst>
-              <a:ext uri="{FF2B5EF4-FFF2-40B4-BE49-F238E27FC236}">
-                <a16:creationId xmlns:a16="http://schemas.microsoft.com/office/drawing/2014/main" id="{C3F1D690-9499-944F-AC1D-7168434A8E63}"/>
-              </a:ext>
-            </a:extLst>
-          </p:cNvPr>
-          <p:cNvSpPr>
-            <a:spLocks noGrp="1"/>
-          </p:cNvSpPr>
-          <p:nvPr>
-            <p:ph type="sldNum" sz="quarter" idx="4"/>
-          </p:nvPr>
-        </p:nvSpPr>
-        <p:spPr>
-          <a:xfrm>
-            <a:off x="11228832" y="6309360"/>
-            <a:ext cx="274320" cy="92333"/>
-          </a:xfrm>
-          <a:prstGeom prst="rect">
-            <a:avLst/>
-          </a:prstGeom>
-        </p:spPr>
-        <p:txBody>
-          <a:bodyPr vert="horz" lIns="0" tIns="0" rIns="0" bIns="0" rtlCol="0" anchor="ctr">
-            <a:noAutofit/>
-          </a:bodyPr>
-          <a:lstStyle>
-            <a:lvl1pPr algn="r">
-              <a:defRPr sz="600" b="0" i="0">
-                <a:solidFill>
-                  <a:schemeClr val="tx1"/>
-                </a:solidFill>
-                <a:latin typeface="Futura Next Medium" panose="020B0602020204020303" pitchFamily="34" charset="77"/>
-              </a:defRPr>
-            </a:lvl1pPr>
-          </a:lstStyle>
-          <a:p>
-            <a:fld id="{58B792A5-9BAE-6942-BFE1-9FCDB51EA51E}" type="slidenum">
-              <a:rPr lang="en-US" smtClean="0"/>
-              <a:pPr/>
-              <a:t>‹#›</a:t>
-            </a:fld>
-            <a:endParaRPr lang="en-US" dirty="0"/>
-          </a:p>
-        </p:txBody>
-      </p:sp>
-    </p:spTree>
-    <p:extLst>
-      <p:ext uri="{BB962C8B-B14F-4D97-AF65-F5344CB8AC3E}">
-        <p14:creationId xmlns:p14="http://schemas.microsoft.com/office/powerpoint/2010/main" val="2469089731"/>
-      </p:ext>
-    </p:extLst>
-  </p:cSld>
-  <p:clrMapOvr>
-    <a:masterClrMapping/>
-  </p:clrMapOvr>
-</p:sldLayout>
-</file>
-
-<file path=ppt/slideLayouts/slideLayout68.xml><?xml version="1.0" encoding="utf-8"?>
-<p:sldLayout xmlns:a="http://schemas.openxmlformats.org/drawingml/2006/main" xmlns:r="http://schemas.openxmlformats.org/officeDocument/2006/relationships" xmlns:p="http://schemas.openxmlformats.org/presentationml/2006/main" preserve="1" userDrawn="1">
-  <p:cSld name="Back Cover — Red">
-    <p:bg>
-      <p:bgPr>
-        <a:solidFill>
-          <a:schemeClr val="accent1"/>
-        </a:solidFill>
-        <a:effectLst/>
-      </p:bgPr>
-    </p:bg>
-    <p:spTree>
-      <p:nvGrpSpPr>
-        <p:cNvPr id="1" name=""/>
-        <p:cNvGrpSpPr/>
-        <p:nvPr/>
-      </p:nvGrpSpPr>
-      <p:grpSpPr>
-        <a:xfrm>
-          <a:off x="0" y="0"/>
-          <a:ext cx="0" cy="0"/>
-          <a:chOff x="0" y="0"/>
-          <a:chExt cx="0" cy="0"/>
-        </a:xfrm>
-      </p:grpSpPr>
-      <p:sp>
-        <p:nvSpPr>
-          <p:cNvPr id="3" name="TextBox 2">
-            <a:extLst>
-              <a:ext uri="{FF2B5EF4-FFF2-40B4-BE49-F238E27FC236}">
-                <a16:creationId xmlns:a16="http://schemas.microsoft.com/office/drawing/2014/main" id="{05D4B068-A093-8C4E-BCC3-CA584FE85F4D}"/>
-              </a:ext>
-            </a:extLst>
-          </p:cNvPr>
-          <p:cNvSpPr txBox="1"/>
-          <p:nvPr userDrawn="1"/>
-        </p:nvSpPr>
-        <p:spPr>
-          <a:xfrm>
-            <a:off x="685800" y="3099816"/>
-            <a:ext cx="10817352" cy="661720"/>
-          </a:xfrm>
-          <a:prstGeom prst="rect">
-            <a:avLst/>
-          </a:prstGeom>
-          <a:noFill/>
-        </p:spPr>
-        <p:txBody>
-          <a:bodyPr wrap="none" lIns="0" tIns="0" rIns="0" bIns="0" rtlCol="0">
-            <a:noAutofit/>
-          </a:bodyPr>
-          <a:lstStyle/>
-          <a:p>
-            <a:pPr algn="ctr"/>
-            <a:r>
-              <a:rPr lang="en-US" sz="4300" b="0" i="0" dirty="0">
-                <a:solidFill>
-                  <a:schemeClr val="bg1"/>
-                </a:solidFill>
-                <a:latin typeface="Futura Next Book" panose="020B0502020204020303" pitchFamily="34" charset="77"/>
-              </a:rPr>
-              <a:t>thank you</a:t>
-            </a:r>
-          </a:p>
-        </p:txBody>
-      </p:sp>
-      <p:sp>
-        <p:nvSpPr>
-          <p:cNvPr id="7" name="TextBox 6">
-            <a:extLst>
-              <a:ext uri="{FF2B5EF4-FFF2-40B4-BE49-F238E27FC236}">
-                <a16:creationId xmlns:a16="http://schemas.microsoft.com/office/drawing/2014/main" id="{2A71E849-9F96-D344-8B44-13241F15C909}"/>
-              </a:ext>
-            </a:extLst>
-          </p:cNvPr>
-          <p:cNvSpPr txBox="1"/>
-          <p:nvPr userDrawn="1"/>
-        </p:nvSpPr>
-        <p:spPr>
-          <a:xfrm>
-            <a:off x="685800" y="6291072"/>
-            <a:ext cx="10817352" cy="107722"/>
-          </a:xfrm>
-          <a:prstGeom prst="rect">
-            <a:avLst/>
-          </a:prstGeom>
-          <a:noFill/>
-        </p:spPr>
-        <p:txBody>
-          <a:bodyPr wrap="none" lIns="0" tIns="0" rIns="0" bIns="0" rtlCol="0">
-            <a:noAutofit/>
-          </a:bodyPr>
-          <a:lstStyle/>
-          <a:p>
-            <a:pPr algn="ctr"/>
-            <a:r>
-              <a:rPr lang="en-US" sz="700" b="0" i="0" spc="20" baseline="0" dirty="0">
-                <a:solidFill>
-                  <a:schemeClr val="bg1"/>
-                </a:solidFill>
-                <a:latin typeface="Futura Next Medium" panose="020B0602020204020303" pitchFamily="34" charset="77"/>
-              </a:rPr>
-              <a:t>copyright </a:t>
-            </a:r>
-            <a:r>
-              <a:rPr lang="en-US" sz="700" b="0" i="0" spc="20" baseline="0" dirty="0" err="1">
-                <a:solidFill>
-                  <a:schemeClr val="bg1"/>
-                </a:solidFill>
-                <a:latin typeface="Futura Next Medium" panose="020B0602020204020303" pitchFamily="34" charset="77"/>
-              </a:rPr>
-              <a:t>publicis</a:t>
-            </a:r>
-            <a:r>
-              <a:rPr lang="en-US" sz="700" b="0" i="0" spc="20" baseline="0" dirty="0">
-                <a:solidFill>
-                  <a:schemeClr val="bg1"/>
-                </a:solidFill>
-                <a:latin typeface="Futura Next Medium" panose="020B0602020204020303" pitchFamily="34" charset="77"/>
-              </a:rPr>
-              <a:t> sapient | confidential</a:t>
-            </a:r>
-          </a:p>
-        </p:txBody>
-      </p:sp>
-      <p:sp>
-        <p:nvSpPr>
-          <p:cNvPr id="4" name="Slide Number Placeholder 3">
-            <a:extLst>
-              <a:ext uri="{FF2B5EF4-FFF2-40B4-BE49-F238E27FC236}">
-                <a16:creationId xmlns:a16="http://schemas.microsoft.com/office/drawing/2014/main" id="{9D35D841-60FA-F54C-8361-3125225056DE}"/>
-              </a:ext>
-            </a:extLst>
-          </p:cNvPr>
-          <p:cNvSpPr>
-            <a:spLocks noGrp="1"/>
-          </p:cNvSpPr>
-          <p:nvPr>
-            <p:ph type="sldNum" sz="quarter" idx="4"/>
-          </p:nvPr>
-        </p:nvSpPr>
-        <p:spPr>
-          <a:xfrm>
-            <a:off x="11228832" y="6309360"/>
-            <a:ext cx="274320" cy="92333"/>
-          </a:xfrm>
-          <a:prstGeom prst="rect">
-            <a:avLst/>
-          </a:prstGeom>
-        </p:spPr>
-        <p:txBody>
-          <a:bodyPr vert="horz" lIns="0" tIns="0" rIns="0" bIns="0" rtlCol="0" anchor="ctr">
-            <a:noAutofit/>
-          </a:bodyPr>
-          <a:lstStyle>
-            <a:lvl1pPr algn="r">
-              <a:defRPr sz="600" b="0" i="0">
-                <a:solidFill>
-                  <a:schemeClr val="accent1"/>
-                </a:solidFill>
-                <a:latin typeface="Futura Next Medium" panose="020B0602020204020303" pitchFamily="34" charset="77"/>
-              </a:defRPr>
-            </a:lvl1pPr>
-          </a:lstStyle>
-          <a:p>
-            <a:fld id="{58B792A5-9BAE-6942-BFE1-9FCDB51EA51E}" type="slidenum">
-              <a:rPr lang="en-US" smtClean="0"/>
-              <a:pPr/>
-              <a:t>‹#›</a:t>
-            </a:fld>
-            <a:endParaRPr lang="en-US" dirty="0"/>
-          </a:p>
-        </p:txBody>
-      </p:sp>
-    </p:spTree>
-    <p:extLst>
-      <p:ext uri="{BB962C8B-B14F-4D97-AF65-F5344CB8AC3E}">
-        <p14:creationId xmlns:p14="http://schemas.microsoft.com/office/powerpoint/2010/main" val="1077038167"/>
-      </p:ext>
-    </p:extLst>
-  </p:cSld>
-  <p:clrMapOvr>
-    <a:masterClrMapping/>
-  </p:clrMapOvr>
-</p:sldLayout>
-</file>
-
-<file path=ppt/slideLayouts/slideLayout69.xml><?xml version="1.0" encoding="utf-8"?>
-<p:sldLayout xmlns:a="http://schemas.openxmlformats.org/drawingml/2006/main" xmlns:r="http://schemas.openxmlformats.org/officeDocument/2006/relationships" xmlns:p="http://schemas.openxmlformats.org/presentationml/2006/main" type="title" preserve="1">
-  <p:cSld name="Title Slide">
-    <p:spTree>
-      <p:nvGrpSpPr>
-        <p:cNvPr id="1" name=""/>
-        <p:cNvGrpSpPr/>
-        <p:nvPr/>
-      </p:nvGrpSpPr>
-      <p:grpSpPr>
-        <a:xfrm>
-          <a:off x="0" y="0"/>
-          <a:ext cx="0" cy="0"/>
-          <a:chOff x="0" y="0"/>
-          <a:chExt cx="0" cy="0"/>
-        </a:xfrm>
-      </p:grpSpPr>
-      <p:sp>
-        <p:nvSpPr>
-          <p:cNvPr id="2" name="Title 1"/>
-          <p:cNvSpPr>
-            <a:spLocks noGrp="1"/>
-          </p:cNvSpPr>
-          <p:nvPr>
-            <p:ph type="ctrTitle"/>
-          </p:nvPr>
-        </p:nvSpPr>
-        <p:spPr>
-          <a:xfrm>
-            <a:off x="1524000" y="1122363"/>
-            <a:ext cx="9144000" cy="2387600"/>
-          </a:xfrm>
-        </p:spPr>
-        <p:txBody>
-          <a:bodyPr anchor="b"/>
-          <a:lstStyle>
-            <a:lvl1pPr algn="ctr">
-              <a:defRPr sz="6000"/>
-            </a:lvl1pPr>
-          </a:lstStyle>
-          <a:p>
-            <a:r>
-              <a:rPr lang="en-GB"/>
-              <a:t>Click to edit Master title style</a:t>
-            </a:r>
-            <a:endParaRPr lang="en-US" dirty="0"/>
-          </a:p>
-        </p:txBody>
-      </p:sp>
-      <p:sp>
-        <p:nvSpPr>
-          <p:cNvPr id="3" name="Subtitle 2"/>
-          <p:cNvSpPr>
-            <a:spLocks noGrp="1"/>
-          </p:cNvSpPr>
-          <p:nvPr>
-            <p:ph type="subTitle" idx="1"/>
-          </p:nvPr>
-        </p:nvSpPr>
-        <p:spPr>
-          <a:xfrm>
-            <a:off x="1524000" y="3602038"/>
-            <a:ext cx="9144000" cy="1655762"/>
-          </a:xfrm>
-        </p:spPr>
-        <p:txBody>
-          <a:bodyPr/>
-          <a:lstStyle>
-            <a:lvl1pPr marL="0" indent="0" algn="ctr">
-              <a:buNone/>
-              <a:defRPr sz="2400"/>
-            </a:lvl1pPr>
-            <a:lvl2pPr marL="457200" indent="0" algn="ctr">
-              <a:buNone/>
-              <a:defRPr sz="2000"/>
-            </a:lvl2pPr>
-            <a:lvl3pPr marL="914400" indent="0" algn="ctr">
-              <a:buNone/>
-              <a:defRPr sz="1800"/>
-            </a:lvl3pPr>
-            <a:lvl4pPr marL="1371600" indent="0" algn="ctr">
-              <a:buNone/>
-              <a:defRPr sz="1600"/>
-            </a:lvl4pPr>
-            <a:lvl5pPr marL="1828800" indent="0" algn="ctr">
-              <a:buNone/>
-              <a:defRPr sz="1600"/>
-            </a:lvl5pPr>
-            <a:lvl6pPr marL="2286000" indent="0" algn="ctr">
-              <a:buNone/>
-              <a:defRPr sz="1600"/>
-            </a:lvl6pPr>
-            <a:lvl7pPr marL="2743200" indent="0" algn="ctr">
-              <a:buNone/>
-              <a:defRPr sz="1600"/>
-            </a:lvl7pPr>
-            <a:lvl8pPr marL="3200400" indent="0" algn="ctr">
-              <a:buNone/>
-              <a:defRPr sz="1600"/>
-            </a:lvl8pPr>
-            <a:lvl9pPr marL="3657600" indent="0" algn="ctr">
-              <a:buNone/>
-              <a:defRPr sz="1600"/>
-            </a:lvl9pPr>
-          </a:lstStyle>
-          <a:p>
-            <a:r>
-              <a:rPr lang="en-GB"/>
-              <a:t>Click to edit Master subtitle style</a:t>
-            </a:r>
-            <a:endParaRPr lang="en-US" dirty="0"/>
-          </a:p>
-        </p:txBody>
-      </p:sp>
-      <p:sp>
-        <p:nvSpPr>
-          <p:cNvPr id="4" name="Date Placeholder 3"/>
-          <p:cNvSpPr>
-            <a:spLocks noGrp="1"/>
-          </p:cNvSpPr>
-          <p:nvPr>
-            <p:ph type="dt" sz="half" idx="10"/>
-          </p:nvPr>
-        </p:nvSpPr>
-        <p:spPr/>
-        <p:txBody>
-          <a:bodyPr/>
-          <a:lstStyle/>
-          <a:p>
-            <a:fld id="{C764DE79-268F-4C1A-8933-263129D2AF90}" type="datetimeFigureOut">
-              <a:rPr lang="en-US" smtClean="0"/>
-              <a:t>3/28/20</a:t>
-            </a:fld>
-            <a:endParaRPr lang="en-US" dirty="0"/>
-          </a:p>
-        </p:txBody>
-      </p:sp>
-      <p:sp>
-        <p:nvSpPr>
-          <p:cNvPr id="5" name="Footer Placeholder 4"/>
-          <p:cNvSpPr>
-            <a:spLocks noGrp="1"/>
-          </p:cNvSpPr>
-          <p:nvPr>
-            <p:ph type="ftr" sz="quarter" idx="11"/>
-          </p:nvPr>
-        </p:nvSpPr>
-        <p:spPr/>
-        <p:txBody>
-          <a:bodyPr/>
-          <a:lstStyle/>
-          <a:p>
-            <a:endParaRPr lang="en-US" dirty="0"/>
-          </a:p>
-        </p:txBody>
-      </p:sp>
-      <p:sp>
-        <p:nvSpPr>
-          <p:cNvPr id="6" name="Slide Number Placeholder 5"/>
-          <p:cNvSpPr>
-            <a:spLocks noGrp="1"/>
-          </p:cNvSpPr>
-          <p:nvPr>
-            <p:ph type="sldNum" sz="quarter" idx="12"/>
-          </p:nvPr>
-        </p:nvSpPr>
-        <p:spPr/>
-        <p:txBody>
-          <a:bodyPr/>
-          <a:lstStyle/>
-          <a:p>
-            <a:fld id="{58B792A5-9BAE-6942-BFE1-9FCDB51EA51E}" type="slidenum">
-              <a:rPr lang="en-US" smtClean="0"/>
-              <a:pPr/>
-              <a:t>‹#›</a:t>
-            </a:fld>
-            <a:endParaRPr lang="en-US" dirty="0"/>
-          </a:p>
-        </p:txBody>
-      </p:sp>
-    </p:spTree>
-    <p:extLst>
-      <p:ext uri="{BB962C8B-B14F-4D97-AF65-F5344CB8AC3E}">
-        <p14:creationId xmlns:p14="http://schemas.microsoft.com/office/powerpoint/2010/main" val="2353647648"/>
-      </p:ext>
-    </p:extLst>
-  </p:cSld>
-  <p:clrMapOvr>
-    <a:masterClrMapping/>
-  </p:clrMapOvr>
-  <p:hf hdr="0" ftr="0" dt="0"/>
-</p:sldLayout>
-</file>
-
-<file path=ppt/slideLayouts/slideLayout7.xml><?xml version="1.0" encoding="utf-8"?>
-<p:sldLayout xmlns:a="http://schemas.openxmlformats.org/drawingml/2006/main" xmlns:r="http://schemas.openxmlformats.org/officeDocument/2006/relationships" xmlns:p="http://schemas.openxmlformats.org/presentationml/2006/main" type="title">
-  <p:cSld name="Divider — Red 1 line">
-    <p:bg>
-      <p:bgPr>
-        <a:solidFill>
-          <a:schemeClr val="accent1"/>
-        </a:solidFill>
-        <a:effectLst/>
-      </p:bgPr>
-    </p:bg>
-    <p:spTree>
-      <p:nvGrpSpPr>
-        <p:cNvPr id="1" name=""/>
-        <p:cNvGrpSpPr/>
-        <p:nvPr/>
-      </p:nvGrpSpPr>
-      <p:grpSpPr>
-        <a:xfrm>
-          <a:off x="0" y="0"/>
-          <a:ext cx="0" cy="0"/>
-          <a:chOff x="0" y="0"/>
-          <a:chExt cx="0" cy="0"/>
-        </a:xfrm>
-      </p:grpSpPr>
-      <p:sp>
-        <p:nvSpPr>
-          <p:cNvPr id="2" name="Title 1"/>
-          <p:cNvSpPr>
-            <a:spLocks noGrp="1"/>
-          </p:cNvSpPr>
-          <p:nvPr>
-            <p:ph type="ctrTitle" hasCustomPrompt="1"/>
-          </p:nvPr>
-        </p:nvSpPr>
-        <p:spPr>
-          <a:xfrm>
-            <a:off x="685978" y="3002946"/>
-            <a:ext cx="10820170" cy="200055"/>
-          </a:xfrm>
-        </p:spPr>
-        <p:txBody>
-          <a:bodyPr anchor="t">
-            <a:noAutofit/>
-          </a:bodyPr>
-          <a:lstStyle>
-            <a:lvl1pPr>
-              <a:spcBef>
-                <a:spcPts val="0"/>
-              </a:spcBef>
-              <a:defRPr sz="1300" b="0" i="0" spc="140" baseline="0">
-                <a:solidFill>
-                  <a:schemeClr val="bg1"/>
-                </a:solidFill>
-                <a:latin typeface="Futura Next DemiBold" panose="020B0602020204020303" pitchFamily="34" charset="77"/>
-              </a:defRPr>
-            </a:lvl1pPr>
-          </a:lstStyle>
-          <a:p>
-            <a:r>
-              <a:rPr lang="en-US" dirty="0"/>
-              <a:t>Section Name</a:t>
-            </a:r>
-          </a:p>
-        </p:txBody>
-      </p:sp>
-      <p:sp>
-        <p:nvSpPr>
-          <p:cNvPr id="3" name="Subtitle 2"/>
-          <p:cNvSpPr>
-            <a:spLocks noGrp="1"/>
-          </p:cNvSpPr>
-          <p:nvPr>
-            <p:ph type="subTitle" idx="1" hasCustomPrompt="1"/>
-          </p:nvPr>
-        </p:nvSpPr>
-        <p:spPr>
-          <a:xfrm>
-            <a:off x="685978" y="3307012"/>
-            <a:ext cx="10820170" cy="555601"/>
-          </a:xfrm>
-        </p:spPr>
-        <p:txBody>
-          <a:bodyPr anchor="t" anchorCtr="0">
-            <a:spAutoFit/>
-          </a:bodyPr>
-          <a:lstStyle>
-            <a:lvl1pPr marL="0" indent="0" algn="l">
-              <a:lnSpc>
-                <a:spcPct val="110000"/>
-              </a:lnSpc>
-              <a:spcBef>
-                <a:spcPts val="0"/>
-              </a:spcBef>
-              <a:spcAft>
-                <a:spcPts val="0"/>
-              </a:spcAft>
-              <a:buNone/>
-              <a:defRPr sz="3500" b="0" i="0" baseline="0">
-                <a:solidFill>
-                  <a:schemeClr val="bg1"/>
-                </a:solidFill>
-                <a:latin typeface="Futura Next Book" panose="020B0502020204020303" pitchFamily="34" charset="77"/>
-              </a:defRPr>
-            </a:lvl1pPr>
-            <a:lvl2pPr marL="457337" indent="0" algn="ctr">
-              <a:buNone/>
-              <a:defRPr>
-                <a:solidFill>
-                  <a:schemeClr val="tx1">
-                    <a:tint val="75000"/>
-                  </a:schemeClr>
-                </a:solidFill>
-              </a:defRPr>
-            </a:lvl2pPr>
-            <a:lvl3pPr marL="914674" indent="0" algn="ctr">
-              <a:buNone/>
-              <a:defRPr>
-                <a:solidFill>
-                  <a:schemeClr val="tx1">
-                    <a:tint val="75000"/>
-                  </a:schemeClr>
-                </a:solidFill>
-              </a:defRPr>
-            </a:lvl3pPr>
-            <a:lvl4pPr marL="1372011" indent="0" algn="ctr">
-              <a:buNone/>
-              <a:defRPr>
-                <a:solidFill>
-                  <a:schemeClr val="tx1">
-                    <a:tint val="75000"/>
-                  </a:schemeClr>
-                </a:solidFill>
-              </a:defRPr>
-            </a:lvl4pPr>
-            <a:lvl5pPr marL="1829349" indent="0" algn="ctr">
-              <a:buNone/>
-              <a:defRPr>
-                <a:solidFill>
-                  <a:schemeClr val="tx1">
-                    <a:tint val="75000"/>
-                  </a:schemeClr>
-                </a:solidFill>
-              </a:defRPr>
-            </a:lvl5pPr>
-            <a:lvl6pPr marL="2286686" indent="0" algn="ctr">
-              <a:buNone/>
-              <a:defRPr>
-                <a:solidFill>
-                  <a:schemeClr val="tx1">
-                    <a:tint val="75000"/>
-                  </a:schemeClr>
-                </a:solidFill>
-              </a:defRPr>
-            </a:lvl6pPr>
-            <a:lvl7pPr marL="2744023" indent="0" algn="ctr">
-              <a:buNone/>
-              <a:defRPr>
-                <a:solidFill>
-                  <a:schemeClr val="tx1">
-                    <a:tint val="75000"/>
-                  </a:schemeClr>
-                </a:solidFill>
-              </a:defRPr>
-            </a:lvl7pPr>
-            <a:lvl8pPr marL="3201360" indent="0" algn="ctr">
-              <a:buNone/>
-              <a:defRPr>
-                <a:solidFill>
-                  <a:schemeClr val="tx1">
-                    <a:tint val="75000"/>
-                  </a:schemeClr>
-                </a:solidFill>
-              </a:defRPr>
-            </a:lvl8pPr>
-            <a:lvl9pPr marL="3658697" indent="0" algn="ctr">
-              <a:buNone/>
-              <a:defRPr>
-                <a:solidFill>
-                  <a:schemeClr val="tx1">
-                    <a:tint val="75000"/>
-                  </a:schemeClr>
-                </a:solidFill>
-              </a:defRPr>
-            </a:lvl9pPr>
-          </a:lstStyle>
-          <a:p>
-            <a:r>
-              <a:rPr lang="en-US" dirty="0"/>
-              <a:t>Agenda item title one line max</a:t>
-            </a:r>
-          </a:p>
-        </p:txBody>
-      </p:sp>
-      <p:sp>
-        <p:nvSpPr>
-          <p:cNvPr id="14" name="Freeform 13">
-            <a:extLst>
-              <a:ext uri="{FF2B5EF4-FFF2-40B4-BE49-F238E27FC236}">
-                <a16:creationId xmlns:a16="http://schemas.microsoft.com/office/drawing/2014/main" id="{AB03AD94-98B6-7F47-AAA2-93B5CD346B52}"/>
-              </a:ext>
-            </a:extLst>
-          </p:cNvPr>
-          <p:cNvSpPr/>
-          <p:nvPr userDrawn="1"/>
-        </p:nvSpPr>
-        <p:spPr>
-          <a:xfrm>
-            <a:off x="10456536" y="2"/>
-            <a:ext cx="1049612" cy="6857998"/>
-          </a:xfrm>
-          <a:custGeom>
-            <a:avLst/>
-            <a:gdLst>
-              <a:gd name="connsiteX0" fmla="*/ 4 w 1049612"/>
-              <a:gd name="connsiteY0" fmla="*/ 0 h 6857998"/>
-              <a:gd name="connsiteX1" fmla="*/ 188284 w 1049612"/>
-              <a:gd name="connsiteY1" fmla="*/ 0 h 6857998"/>
-              <a:gd name="connsiteX2" fmla="*/ 334566 w 1049612"/>
-              <a:gd name="connsiteY2" fmla="*/ 285586 h 6857998"/>
-              <a:gd name="connsiteX3" fmla="*/ 1049612 w 1049612"/>
-              <a:gd name="connsiteY3" fmla="*/ 3429000 h 6857998"/>
-              <a:gd name="connsiteX4" fmla="*/ 334564 w 1049612"/>
-              <a:gd name="connsiteY4" fmla="*/ 6572414 h 6857998"/>
-              <a:gd name="connsiteX5" fmla="*/ 188284 w 1049612"/>
-              <a:gd name="connsiteY5" fmla="*/ 6857998 h 6857998"/>
-              <a:gd name="connsiteX6" fmla="*/ 0 w 1049612"/>
-              <a:gd name="connsiteY6" fmla="*/ 6857998 h 6857998"/>
-              <a:gd name="connsiteX7" fmla="*/ 29704 w 1049612"/>
-              <a:gd name="connsiteY7" fmla="*/ 6806348 h 6857998"/>
-              <a:gd name="connsiteX8" fmla="*/ 885020 w 1049612"/>
-              <a:gd name="connsiteY8" fmla="*/ 3429000 h 6857998"/>
-              <a:gd name="connsiteX9" fmla="*/ 29706 w 1049612"/>
-              <a:gd name="connsiteY9" fmla="*/ 51648 h 6857998"/>
-            </a:gdLst>
-            <a:ahLst/>
-            <a:cxnLst>
-              <a:cxn ang="0">
-                <a:pos x="connsiteX0" y="connsiteY0"/>
-              </a:cxn>
-              <a:cxn ang="0">
-                <a:pos x="connsiteX1" y="connsiteY1"/>
-              </a:cxn>
-              <a:cxn ang="0">
-                <a:pos x="connsiteX2" y="connsiteY2"/>
-              </a:cxn>
-              <a:cxn ang="0">
-                <a:pos x="connsiteX3" y="connsiteY3"/>
-              </a:cxn>
-              <a:cxn ang="0">
-                <a:pos x="connsiteX4" y="connsiteY4"/>
-              </a:cxn>
-              <a:cxn ang="0">
-                <a:pos x="connsiteX5" y="connsiteY5"/>
-              </a:cxn>
-              <a:cxn ang="0">
-                <a:pos x="connsiteX6" y="connsiteY6"/>
-              </a:cxn>
-              <a:cxn ang="0">
-                <a:pos x="connsiteX7" y="connsiteY7"/>
-              </a:cxn>
-              <a:cxn ang="0">
-                <a:pos x="connsiteX8" y="connsiteY8"/>
-              </a:cxn>
-              <a:cxn ang="0">
-                <a:pos x="connsiteX9" y="connsiteY9"/>
-              </a:cxn>
-            </a:cxnLst>
-            <a:rect l="l" t="t" r="r" b="b"/>
-            <a:pathLst>
-              <a:path w="1049612" h="6857998">
-                <a:moveTo>
-                  <a:pt x="4" y="0"/>
-                </a:moveTo>
-                <a:lnTo>
-                  <a:pt x="188284" y="0"/>
-                </a:lnTo>
-                <a:lnTo>
-                  <a:pt x="334566" y="285586"/>
-                </a:lnTo>
-                <a:cubicBezTo>
-                  <a:pt x="792812" y="1236516"/>
-                  <a:pt x="1049612" y="2302770"/>
-                  <a:pt x="1049612" y="3429000"/>
-                </a:cubicBezTo>
-                <a:cubicBezTo>
-                  <a:pt x="1049612" y="4555228"/>
-                  <a:pt x="792808" y="5621484"/>
-                  <a:pt x="334564" y="6572414"/>
-                </a:cubicBezTo>
-                <a:lnTo>
-                  <a:pt x="188284" y="6857998"/>
-                </a:lnTo>
-                <a:lnTo>
-                  <a:pt x="0" y="6857998"/>
-                </a:lnTo>
-                <a:lnTo>
-                  <a:pt x="29704" y="6806348"/>
-                </a:lnTo>
-                <a:cubicBezTo>
-                  <a:pt x="575176" y="5802388"/>
-                  <a:pt x="885020" y="4651872"/>
-                  <a:pt x="885020" y="3429000"/>
-                </a:cubicBezTo>
-                <a:cubicBezTo>
-                  <a:pt x="885020" y="2206128"/>
-                  <a:pt x="575178" y="1055610"/>
-                  <a:pt x="29706" y="51648"/>
-                </a:cubicBezTo>
-                <a:close/>
-              </a:path>
-            </a:pathLst>
-          </a:custGeom>
-          <a:solidFill>
-            <a:schemeClr val="bg1"/>
-          </a:solidFill>
-          <a:ln>
-            <a:noFill/>
-          </a:ln>
-        </p:spPr>
-        <p:style>
-          <a:lnRef idx="2">
-            <a:schemeClr val="accent1">
-              <a:shade val="50000"/>
-            </a:schemeClr>
-          </a:lnRef>
-          <a:fillRef idx="1">
-            <a:schemeClr val="accent1"/>
-          </a:fillRef>
-          <a:effectRef idx="0">
-            <a:schemeClr val="accent1"/>
-          </a:effectRef>
-          <a:fontRef idx="minor">
-            <a:schemeClr val="lt1"/>
-          </a:fontRef>
-        </p:style>
-        <p:txBody>
-          <a:bodyPr rtlCol="0" anchor="ctr"/>
-          <a:lstStyle/>
-          <a:p>
-            <a:pPr algn="ctr"/>
-            <a:endParaRPr lang="en-US" b="0" i="0" dirty="0">
-              <a:latin typeface="Futura Next Book" panose="020B0502020204020303" pitchFamily="34" charset="77"/>
-            </a:endParaRPr>
-          </a:p>
-        </p:txBody>
-      </p:sp>
-      <p:sp>
-        <p:nvSpPr>
-          <p:cNvPr id="5" name="Slide Number Placeholder 4">
-            <a:extLst>
-              <a:ext uri="{FF2B5EF4-FFF2-40B4-BE49-F238E27FC236}">
-                <a16:creationId xmlns:a16="http://schemas.microsoft.com/office/drawing/2014/main" id="{AEC7674C-AEF8-E44F-8003-4C5946AFF65A}"/>
-              </a:ext>
-            </a:extLst>
-          </p:cNvPr>
-          <p:cNvSpPr>
-            <a:spLocks noGrp="1"/>
-          </p:cNvSpPr>
-          <p:nvPr>
-            <p:ph type="sldNum" sz="quarter" idx="10"/>
-          </p:nvPr>
-        </p:nvSpPr>
-        <p:spPr/>
-        <p:txBody>
-          <a:bodyPr/>
-          <a:lstStyle/>
-          <a:p>
-            <a:fld id="{58B792A5-9BAE-6942-BFE1-9FCDB51EA51E}" type="slidenum">
-              <a:rPr lang="en-US" smtClean="0"/>
-              <a:pPr/>
-              <a:t>‹#›</a:t>
-            </a:fld>
-            <a:endParaRPr lang="en-US" dirty="0"/>
-          </a:p>
-        </p:txBody>
-      </p:sp>
-    </p:spTree>
-    <p:extLst>
-      <p:ext uri="{BB962C8B-B14F-4D97-AF65-F5344CB8AC3E}">
         <p14:creationId xmlns:p14="http://schemas.microsoft.com/office/powerpoint/2010/main" val="3448374598"/>
       </p:ext>
     </p:extLst>
@@ -20583,178 +20278,6 @@
 </file>
 
 <file path=ppt/slideLayouts/slideLayout70.xml><?xml version="1.0" encoding="utf-8"?>
-<p:sldLayout xmlns:a="http://schemas.openxmlformats.org/drawingml/2006/main" xmlns:r="http://schemas.openxmlformats.org/officeDocument/2006/relationships" xmlns:p="http://schemas.openxmlformats.org/presentationml/2006/main" type="obj" preserve="1">
-  <p:cSld name="Title and Content">
-    <p:spTree>
-      <p:nvGrpSpPr>
-        <p:cNvPr id="1" name=""/>
-        <p:cNvGrpSpPr/>
-        <p:nvPr/>
-      </p:nvGrpSpPr>
-      <p:grpSpPr>
-        <a:xfrm>
-          <a:off x="0" y="0"/>
-          <a:ext cx="0" cy="0"/>
-          <a:chOff x="0" y="0"/>
-          <a:chExt cx="0" cy="0"/>
-        </a:xfrm>
-      </p:grpSpPr>
-      <p:sp>
-        <p:nvSpPr>
-          <p:cNvPr id="2" name="Title 1"/>
-          <p:cNvSpPr>
-            <a:spLocks noGrp="1"/>
-          </p:cNvSpPr>
-          <p:nvPr>
-            <p:ph type="title"/>
-          </p:nvPr>
-        </p:nvSpPr>
-        <p:spPr/>
-        <p:txBody>
-          <a:bodyPr/>
-          <a:lstStyle/>
-          <a:p>
-            <a:r>
-              <a:rPr lang="en-GB"/>
-              <a:t>Click to edit Master title style</a:t>
-            </a:r>
-            <a:endParaRPr lang="en-US" dirty="0"/>
-          </a:p>
-        </p:txBody>
-      </p:sp>
-      <p:sp>
-        <p:nvSpPr>
-          <p:cNvPr id="3" name="Content Placeholder 2"/>
-          <p:cNvSpPr>
-            <a:spLocks noGrp="1"/>
-          </p:cNvSpPr>
-          <p:nvPr>
-            <p:ph idx="1"/>
-          </p:nvPr>
-        </p:nvSpPr>
-        <p:spPr/>
-        <p:txBody>
-          <a:bodyPr/>
-          <a:lstStyle/>
-          <a:p>
-            <a:pPr lvl="0"/>
-            <a:r>
-              <a:rPr lang="en-GB"/>
-              <a:t>Click to edit Master text styles</a:t>
-            </a:r>
-          </a:p>
-          <a:p>
-            <a:pPr lvl="1"/>
-            <a:r>
-              <a:rPr lang="en-GB"/>
-              <a:t>Second level</a:t>
-            </a:r>
-          </a:p>
-          <a:p>
-            <a:pPr lvl="2"/>
-            <a:r>
-              <a:rPr lang="en-GB"/>
-              <a:t>Third level</a:t>
-            </a:r>
-          </a:p>
-          <a:p>
-            <a:pPr lvl="3"/>
-            <a:r>
-              <a:rPr lang="en-GB"/>
-              <a:t>Fourth level</a:t>
-            </a:r>
-          </a:p>
-          <a:p>
-            <a:pPr lvl="4"/>
-            <a:r>
-              <a:rPr lang="en-GB"/>
-              <a:t>Fifth level</a:t>
-            </a:r>
-            <a:endParaRPr lang="en-US" dirty="0"/>
-          </a:p>
-        </p:txBody>
-      </p:sp>
-      <p:sp>
-        <p:nvSpPr>
-          <p:cNvPr id="4" name="Date Placeholder 3"/>
-          <p:cNvSpPr>
-            <a:spLocks noGrp="1"/>
-          </p:cNvSpPr>
-          <p:nvPr>
-            <p:ph type="dt" sz="half" idx="10"/>
-          </p:nvPr>
-        </p:nvSpPr>
-        <p:spPr/>
-        <p:txBody>
-          <a:bodyPr/>
-          <a:lstStyle/>
-          <a:p>
-            <a:fld id="{C764DE79-268F-4C1A-8933-263129D2AF90}" type="datetimeFigureOut">
-              <a:rPr lang="en-US" smtClean="0"/>
-              <a:t>3/28/20</a:t>
-            </a:fld>
-            <a:endParaRPr lang="en-US" dirty="0"/>
-          </a:p>
-        </p:txBody>
-      </p:sp>
-      <p:sp>
-        <p:nvSpPr>
-          <p:cNvPr id="5" name="Footer Placeholder 4"/>
-          <p:cNvSpPr>
-            <a:spLocks noGrp="1"/>
-          </p:cNvSpPr>
-          <p:nvPr>
-            <p:ph type="ftr" sz="quarter" idx="11"/>
-          </p:nvPr>
-        </p:nvSpPr>
-        <p:spPr/>
-        <p:txBody>
-          <a:bodyPr/>
-          <a:lstStyle/>
-          <a:p>
-            <a:endParaRPr lang="en-US" dirty="0"/>
-          </a:p>
-        </p:txBody>
-      </p:sp>
-      <p:sp>
-        <p:nvSpPr>
-          <p:cNvPr id="6" name="Slide Number Placeholder 5"/>
-          <p:cNvSpPr>
-            <a:spLocks noGrp="1"/>
-          </p:cNvSpPr>
-          <p:nvPr>
-            <p:ph type="sldNum" sz="quarter" idx="12"/>
-          </p:nvPr>
-        </p:nvSpPr>
-        <p:spPr/>
-        <p:txBody>
-          <a:bodyPr/>
-          <a:lstStyle/>
-          <a:p>
-            <a:fld id="{58B792A5-9BAE-6942-BFE1-9FCDB51EA51E}" type="slidenum">
-              <a:rPr lang="en-US" smtClean="0"/>
-              <a:pPr/>
-              <a:t>‹#›</a:t>
-            </a:fld>
-            <a:endParaRPr lang="en-US" dirty="0"/>
-          </a:p>
-        </p:txBody>
-      </p:sp>
-    </p:spTree>
-    <p:extLst>
-      <p:ext uri="{BB962C8B-B14F-4D97-AF65-F5344CB8AC3E}">
-        <p14:creationId xmlns:p14="http://schemas.microsoft.com/office/powerpoint/2010/main" val="1139885885"/>
-      </p:ext>
-    </p:extLst>
-  </p:cSld>
-  <p:clrMapOvr>
-    <a:masterClrMapping/>
-  </p:clrMapOvr>
-  <p:hf hdr="0" ftr="0" dt="0"/>
-</p:sldLayout>
-</file>
-
-<file path=ppt/slideLayouts/slideLayout71.xml><?xml version="1.0" encoding="utf-8"?>
 <p:sldLayout xmlns:a="http://schemas.openxmlformats.org/drawingml/2006/main" xmlns:r="http://schemas.openxmlformats.org/officeDocument/2006/relationships" xmlns:p="http://schemas.openxmlformats.org/presentationml/2006/main" type="secHead" preserve="1">
   <p:cSld name="Section Header">
     <p:spTree>
@@ -20939,7 +20462,7 @@
           <a:p>
             <a:fld id="{C764DE79-268F-4C1A-8933-263129D2AF90}" type="datetimeFigureOut">
               <a:rPr lang="en-US" smtClean="0"/>
-              <a:t>3/28/20</a:t>
+              <a:t>4/6/20</a:t>
             </a:fld>
             <a:endParaRPr lang="en-US" dirty="0"/>
           </a:p>
@@ -21002,7 +20525,7 @@
 </p:sldLayout>
 </file>
 
-<file path=ppt/slideLayouts/slideLayout72.xml><?xml version="1.0" encoding="utf-8"?>
+<file path=ppt/slideLayouts/slideLayout71.xml><?xml version="1.0" encoding="utf-8"?>
 <p:sldLayout xmlns:a="http://schemas.openxmlformats.org/drawingml/2006/main" xmlns:r="http://schemas.openxmlformats.org/officeDocument/2006/relationships" xmlns:p="http://schemas.openxmlformats.org/presentationml/2006/main" type="twoObj" preserve="1">
   <p:cSld name="Two Content">
     <p:spTree>
@@ -21173,7 +20696,7 @@
           <a:p>
             <a:fld id="{C764DE79-268F-4C1A-8933-263129D2AF90}" type="datetimeFigureOut">
               <a:rPr lang="en-US" smtClean="0"/>
-              <a:t>3/28/20</a:t>
+              <a:t>4/6/20</a:t>
             </a:fld>
             <a:endParaRPr lang="en-US" dirty="0"/>
           </a:p>
@@ -21236,7 +20759,7 @@
 </p:sldLayout>
 </file>
 
-<file path=ppt/slideLayouts/slideLayout73.xml><?xml version="1.0" encoding="utf-8"?>
+<file path=ppt/slideLayouts/slideLayout72.xml><?xml version="1.0" encoding="utf-8"?>
 <p:sldLayout xmlns:a="http://schemas.openxmlformats.org/drawingml/2006/main" xmlns:r="http://schemas.openxmlformats.org/officeDocument/2006/relationships" xmlns:p="http://schemas.openxmlformats.org/presentationml/2006/main" type="twoTxTwoObj" preserve="1">
   <p:cSld name="Comparison">
     <p:spTree>
@@ -21542,7 +21065,7 @@
           <a:p>
             <a:fld id="{C764DE79-268F-4C1A-8933-263129D2AF90}" type="datetimeFigureOut">
               <a:rPr lang="en-US" smtClean="0"/>
-              <a:t>3/28/20</a:t>
+              <a:t>4/6/20</a:t>
             </a:fld>
             <a:endParaRPr lang="en-US" dirty="0"/>
           </a:p>
@@ -21605,7 +21128,7 @@
 </p:sldLayout>
 </file>
 
-<file path=ppt/slideLayouts/slideLayout74.xml><?xml version="1.0" encoding="utf-8"?>
+<file path=ppt/slideLayouts/slideLayout73.xml><?xml version="1.0" encoding="utf-8"?>
 <p:sldLayout xmlns:a="http://schemas.openxmlformats.org/drawingml/2006/main" xmlns:r="http://schemas.openxmlformats.org/officeDocument/2006/relationships" xmlns:p="http://schemas.openxmlformats.org/presentationml/2006/main" type="titleOnly" preserve="1">
   <p:cSld name="Title Only">
     <p:spTree>
@@ -21662,7 +21185,7 @@
           <a:p>
             <a:fld id="{C764DE79-268F-4C1A-8933-263129D2AF90}" type="datetimeFigureOut">
               <a:rPr lang="en-US" smtClean="0"/>
-              <a:t>3/28/20</a:t>
+              <a:t>4/6/20</a:t>
             </a:fld>
             <a:endParaRPr lang="en-US" dirty="0"/>
           </a:p>
@@ -21725,7 +21248,7 @@
 </p:sldLayout>
 </file>
 
-<file path=ppt/slideLayouts/slideLayout75.xml><?xml version="1.0" encoding="utf-8"?>
+<file path=ppt/slideLayouts/slideLayout74.xml><?xml version="1.0" encoding="utf-8"?>
 <p:sldLayout xmlns:a="http://schemas.openxmlformats.org/drawingml/2006/main" xmlns:r="http://schemas.openxmlformats.org/officeDocument/2006/relationships" xmlns:p="http://schemas.openxmlformats.org/presentationml/2006/main" type="blank" preserve="1">
   <p:cSld name="Blank">
     <p:spTree>
@@ -21759,7 +21282,7 @@
           <a:p>
             <a:fld id="{C764DE79-268F-4C1A-8933-263129D2AF90}" type="datetimeFigureOut">
               <a:rPr lang="en-US" smtClean="0"/>
-              <a:t>3/28/20</a:t>
+              <a:t>4/6/20</a:t>
             </a:fld>
             <a:endParaRPr lang="en-US" dirty="0"/>
           </a:p>
@@ -21822,7 +21345,7 @@
 </p:sldLayout>
 </file>
 
-<file path=ppt/slideLayouts/slideLayout76.xml><?xml version="1.0" encoding="utf-8"?>
+<file path=ppt/slideLayouts/slideLayout75.xml><?xml version="1.0" encoding="utf-8"?>
 <p:sldLayout xmlns:a="http://schemas.openxmlformats.org/drawingml/2006/main" xmlns:r="http://schemas.openxmlformats.org/officeDocument/2006/relationships" xmlns:p="http://schemas.openxmlformats.org/presentationml/2006/main" type="objTx" preserve="1">
   <p:cSld name="Content with Caption">
     <p:spTree>
@@ -22038,7 +21561,7 @@
           <a:p>
             <a:fld id="{C764DE79-268F-4C1A-8933-263129D2AF90}" type="datetimeFigureOut">
               <a:rPr lang="en-US" smtClean="0"/>
-              <a:t>3/28/20</a:t>
+              <a:t>4/6/20</a:t>
             </a:fld>
             <a:endParaRPr lang="en-US" dirty="0"/>
           </a:p>
@@ -22101,7 +21624,7 @@
 </p:sldLayout>
 </file>
 
-<file path=ppt/slideLayouts/slideLayout77.xml><?xml version="1.0" encoding="utf-8"?>
+<file path=ppt/slideLayouts/slideLayout76.xml><?xml version="1.0" encoding="utf-8"?>
 <p:sldLayout xmlns:a="http://schemas.openxmlformats.org/drawingml/2006/main" xmlns:r="http://schemas.openxmlformats.org/officeDocument/2006/relationships" xmlns:p="http://schemas.openxmlformats.org/presentationml/2006/main" type="picTx" preserve="1">
   <p:cSld name="Picture with Caption">
     <p:spTree>
@@ -22297,7 +21820,7 @@
           <a:p>
             <a:fld id="{C764DE79-268F-4C1A-8933-263129D2AF90}" type="datetimeFigureOut">
               <a:rPr lang="en-US" smtClean="0"/>
-              <a:t>3/28/20</a:t>
+              <a:t>4/6/20</a:t>
             </a:fld>
             <a:endParaRPr lang="en-US" dirty="0"/>
           </a:p>
@@ -22360,7 +21883,7 @@
 </p:sldLayout>
 </file>
 
-<file path=ppt/slideLayouts/slideLayout78.xml><?xml version="1.0" encoding="utf-8"?>
+<file path=ppt/slideLayouts/slideLayout77.xml><?xml version="1.0" encoding="utf-8"?>
 <p:sldLayout xmlns:a="http://schemas.openxmlformats.org/drawingml/2006/main" xmlns:r="http://schemas.openxmlformats.org/officeDocument/2006/relationships" xmlns:p="http://schemas.openxmlformats.org/presentationml/2006/main" type="vertTx" preserve="1">
   <p:cSld name="Title and Vertical Text">
     <p:spTree>
@@ -22469,7 +21992,7 @@
           <a:p>
             <a:fld id="{C764DE79-268F-4C1A-8933-263129D2AF90}" type="datetimeFigureOut">
               <a:rPr lang="en-US" smtClean="0"/>
-              <a:t>3/28/20</a:t>
+              <a:t>4/6/20</a:t>
             </a:fld>
             <a:endParaRPr lang="en-US" dirty="0"/>
           </a:p>
@@ -22532,7 +22055,7 @@
 </p:sldLayout>
 </file>
 
-<file path=ppt/slideLayouts/slideLayout79.xml><?xml version="1.0" encoding="utf-8"?>
+<file path=ppt/slideLayouts/slideLayout78.xml><?xml version="1.0" encoding="utf-8"?>
 <p:sldLayout xmlns:a="http://schemas.openxmlformats.org/drawingml/2006/main" xmlns:r="http://schemas.openxmlformats.org/officeDocument/2006/relationships" xmlns:p="http://schemas.openxmlformats.org/presentationml/2006/main" type="vertTitleAndTx" preserve="1">
   <p:cSld name="Vertical Title and Text">
     <p:spTree>
@@ -22651,7 +22174,7 @@
           <a:p>
             <a:fld id="{C764DE79-268F-4C1A-8933-263129D2AF90}" type="datetimeFigureOut">
               <a:rPr lang="en-US" smtClean="0"/>
-              <a:t>3/28/20</a:t>
+              <a:t>4/6/20</a:t>
             </a:fld>
             <a:endParaRPr lang="en-US" dirty="0"/>
           </a:p>
@@ -22711,6 +22234,246 @@
     <a:masterClrMapping/>
   </p:clrMapOvr>
   <p:hf hdr="0" ftr="0" dt="0"/>
+</p:sldLayout>
+</file>
+
+<file path=ppt/slideLayouts/slideLayout79.xml><?xml version="1.0" encoding="utf-8"?>
+<p:sldLayout xmlns:a="http://schemas.openxmlformats.org/drawingml/2006/main" xmlns:r="http://schemas.openxmlformats.org/officeDocument/2006/relationships" xmlns:p="http://schemas.openxmlformats.org/presentationml/2006/main" userDrawn="1">
+  <p:cSld name="Cover — Black">
+    <p:bg>
+      <p:bgPr>
+        <a:solidFill>
+          <a:schemeClr val="tx1"/>
+        </a:solidFill>
+        <a:effectLst/>
+      </p:bgPr>
+    </p:bg>
+    <p:spTree>
+      <p:nvGrpSpPr>
+        <p:cNvPr id="1" name=""/>
+        <p:cNvGrpSpPr/>
+        <p:nvPr/>
+      </p:nvGrpSpPr>
+      <p:grpSpPr>
+        <a:xfrm>
+          <a:off x="0" y="0"/>
+          <a:ext cx="0" cy="0"/>
+          <a:chOff x="0" y="0"/>
+          <a:chExt cx="0" cy="0"/>
+        </a:xfrm>
+      </p:grpSpPr>
+      <p:sp>
+        <p:nvSpPr>
+          <p:cNvPr id="2" name="Title 1">
+            <a:extLst>
+              <a:ext uri="{FF2B5EF4-FFF2-40B4-BE49-F238E27FC236}">
+                <a16:creationId xmlns:a16="http://schemas.microsoft.com/office/drawing/2014/main" id="{69303CB1-EFAC-D446-A1DB-6064B729B4AD}"/>
+              </a:ext>
+            </a:extLst>
+          </p:cNvPr>
+          <p:cNvSpPr>
+            <a:spLocks noGrp="1"/>
+          </p:cNvSpPr>
+          <p:nvPr>
+            <p:ph type="ctrTitle" hasCustomPrompt="1"/>
+          </p:nvPr>
+        </p:nvSpPr>
+        <p:spPr>
+          <a:xfrm>
+            <a:off x="685800" y="2743200"/>
+            <a:ext cx="8951976" cy="1280160"/>
+          </a:xfrm>
+        </p:spPr>
+        <p:txBody>
+          <a:bodyPr anchor="ctr" anchorCtr="0">
+            <a:noAutofit/>
+          </a:bodyPr>
+          <a:lstStyle>
+            <a:lvl1pPr algn="l">
+              <a:lnSpc>
+                <a:spcPct val="97000"/>
+              </a:lnSpc>
+              <a:defRPr sz="4300" b="0" i="0">
+                <a:solidFill>
+                  <a:schemeClr val="bg1"/>
+                </a:solidFill>
+                <a:latin typeface="Futura Next Book" panose="020B0502020204020303" pitchFamily="34" charset="77"/>
+              </a:defRPr>
+            </a:lvl1pPr>
+          </a:lstStyle>
+          <a:p>
+            <a:r>
+              <a:rPr lang="en-US" dirty="0"/>
+              <a:t>Title of the presentation</a:t>
+            </a:r>
+            <a:br>
+              <a:rPr lang="en-US" dirty="0"/>
+            </a:br>
+            <a:r>
+              <a:rPr lang="en-US" dirty="0"/>
+              <a:t>two lines max and no subtitle</a:t>
+            </a:r>
+          </a:p>
+        </p:txBody>
+      </p:sp>
+      <p:sp>
+        <p:nvSpPr>
+          <p:cNvPr id="3" name="Subtitle 2">
+            <a:extLst>
+              <a:ext uri="{FF2B5EF4-FFF2-40B4-BE49-F238E27FC236}">
+                <a16:creationId xmlns:a16="http://schemas.microsoft.com/office/drawing/2014/main" id="{09CB8B89-4C40-6347-B7B0-A8E678B575ED}"/>
+              </a:ext>
+            </a:extLst>
+          </p:cNvPr>
+          <p:cNvSpPr>
+            <a:spLocks noGrp="1"/>
+          </p:cNvSpPr>
+          <p:nvPr>
+            <p:ph type="subTitle" idx="1" hasCustomPrompt="1"/>
+          </p:nvPr>
+        </p:nvSpPr>
+        <p:spPr>
+          <a:xfrm>
+            <a:off x="685800" y="658368"/>
+            <a:ext cx="8951976" cy="155448"/>
+          </a:xfrm>
+        </p:spPr>
+        <p:txBody>
+          <a:bodyPr anchor="ctr" anchorCtr="0">
+            <a:noAutofit/>
+          </a:bodyPr>
+          <a:lstStyle>
+            <a:lvl1pPr marL="0" indent="0" algn="l">
+              <a:lnSpc>
+                <a:spcPct val="100000"/>
+              </a:lnSpc>
+              <a:buNone/>
+              <a:defRPr sz="900" b="1" i="0" spc="50" baseline="0">
+                <a:solidFill>
+                  <a:schemeClr val="bg1"/>
+                </a:solidFill>
+                <a:latin typeface="Futura Next DemiBold" panose="020B0602020204020303" pitchFamily="34" charset="77"/>
+              </a:defRPr>
+            </a:lvl1pPr>
+            <a:lvl2pPr marL="457200" indent="0" algn="ctr">
+              <a:buNone/>
+              <a:defRPr sz="2000"/>
+            </a:lvl2pPr>
+            <a:lvl3pPr marL="914400" indent="0" algn="ctr">
+              <a:buNone/>
+              <a:defRPr sz="1800"/>
+            </a:lvl3pPr>
+            <a:lvl4pPr marL="1371600" indent="0" algn="ctr">
+              <a:buNone/>
+              <a:defRPr sz="1600"/>
+            </a:lvl4pPr>
+            <a:lvl5pPr marL="1828800" indent="0" algn="ctr">
+              <a:buNone/>
+              <a:defRPr sz="1600"/>
+            </a:lvl5pPr>
+            <a:lvl6pPr marL="2286000" indent="0" algn="ctr">
+              <a:buNone/>
+              <a:defRPr sz="1600"/>
+            </a:lvl6pPr>
+            <a:lvl7pPr marL="2743200" indent="0" algn="ctr">
+              <a:buNone/>
+              <a:defRPr sz="1600"/>
+            </a:lvl7pPr>
+            <a:lvl8pPr marL="3200400" indent="0" algn="ctr">
+              <a:buNone/>
+              <a:defRPr sz="1600"/>
+            </a:lvl8pPr>
+            <a:lvl9pPr marL="3657600" indent="0" algn="ctr">
+              <a:buNone/>
+              <a:defRPr sz="1600"/>
+            </a:lvl9pPr>
+          </a:lstStyle>
+          <a:p>
+            <a:r>
+              <a:rPr lang="en-US" dirty="0"/>
+              <a:t>Month-Day-Year</a:t>
+            </a:r>
+          </a:p>
+        </p:txBody>
+      </p:sp>
+      <p:sp>
+        <p:nvSpPr>
+          <p:cNvPr id="4" name="Slide Number Placeholder 3">
+            <a:extLst>
+              <a:ext uri="{FF2B5EF4-FFF2-40B4-BE49-F238E27FC236}">
+                <a16:creationId xmlns:a16="http://schemas.microsoft.com/office/drawing/2014/main" id="{879F0978-C717-A14F-A261-571244E08F4C}"/>
+              </a:ext>
+            </a:extLst>
+          </p:cNvPr>
+          <p:cNvSpPr>
+            <a:spLocks noGrp="1"/>
+          </p:cNvSpPr>
+          <p:nvPr>
+            <p:ph type="sldNum" sz="quarter" idx="10"/>
+          </p:nvPr>
+        </p:nvSpPr>
+        <p:spPr/>
+        <p:txBody>
+          <a:bodyPr/>
+          <a:lstStyle>
+            <a:lvl1pPr>
+              <a:defRPr>
+                <a:solidFill>
+                  <a:schemeClr val="tx1"/>
+                </a:solidFill>
+              </a:defRPr>
+            </a:lvl1pPr>
+          </a:lstStyle>
+          <a:p>
+            <a:fld id="{58B792A5-9BAE-6942-BFE1-9FCDB51EA51E}" type="slidenum">
+              <a:rPr lang="en-US" smtClean="0"/>
+              <a:pPr/>
+              <a:t>‹#›</a:t>
+            </a:fld>
+            <a:endParaRPr lang="en-US" dirty="0"/>
+          </a:p>
+        </p:txBody>
+      </p:sp>
+      <p:pic>
+        <p:nvPicPr>
+          <p:cNvPr id="7" name="Picture 6">
+            <a:extLst>
+              <a:ext uri="{FF2B5EF4-FFF2-40B4-BE49-F238E27FC236}">
+                <a16:creationId xmlns:a16="http://schemas.microsoft.com/office/drawing/2014/main" id="{CDC32020-32CD-184C-8C27-BDD180D62E0C}"/>
+              </a:ext>
+            </a:extLst>
+          </p:cNvPr>
+          <p:cNvPicPr>
+            <a:picLocks noChangeAspect="1"/>
+          </p:cNvPicPr>
+          <p:nvPr userDrawn="1"/>
+        </p:nvPicPr>
+        <p:blipFill>
+          <a:blip r:embed="rId2"/>
+          <a:stretch>
+            <a:fillRect/>
+          </a:stretch>
+        </p:blipFill>
+        <p:spPr>
+          <a:xfrm>
+            <a:off x="685800" y="5733288"/>
+            <a:ext cx="914400" cy="495300"/>
+          </a:xfrm>
+          <a:prstGeom prst="rect">
+            <a:avLst/>
+          </a:prstGeom>
+        </p:spPr>
+      </p:pic>
+    </p:spTree>
+    <p:extLst>
+      <p:ext uri="{BB962C8B-B14F-4D97-AF65-F5344CB8AC3E}">
+        <p14:creationId xmlns:p14="http://schemas.microsoft.com/office/powerpoint/2010/main" val="355236190"/>
+      </p:ext>
+    </p:extLst>
+  </p:cSld>
+  <p:clrMapOvr>
+    <a:masterClrMapping/>
+  </p:clrMapOvr>
 </p:sldLayout>
 </file>
 
@@ -22936,246 +22699,6 @@
     <p:extLst>
       <p:ext uri="{BB962C8B-B14F-4D97-AF65-F5344CB8AC3E}">
         <p14:creationId xmlns:p14="http://schemas.microsoft.com/office/powerpoint/2010/main" val="2054926056"/>
-      </p:ext>
-    </p:extLst>
-  </p:cSld>
-  <p:clrMapOvr>
-    <a:masterClrMapping/>
-  </p:clrMapOvr>
-</p:sldLayout>
-</file>
-
-<file path=ppt/slideLayouts/slideLayout80.xml><?xml version="1.0" encoding="utf-8"?>
-<p:sldLayout xmlns:a="http://schemas.openxmlformats.org/drawingml/2006/main" xmlns:r="http://schemas.openxmlformats.org/officeDocument/2006/relationships" xmlns:p="http://schemas.openxmlformats.org/presentationml/2006/main" userDrawn="1">
-  <p:cSld name="Cover — Black">
-    <p:bg>
-      <p:bgPr>
-        <a:solidFill>
-          <a:schemeClr val="tx1"/>
-        </a:solidFill>
-        <a:effectLst/>
-      </p:bgPr>
-    </p:bg>
-    <p:spTree>
-      <p:nvGrpSpPr>
-        <p:cNvPr id="1" name=""/>
-        <p:cNvGrpSpPr/>
-        <p:nvPr/>
-      </p:nvGrpSpPr>
-      <p:grpSpPr>
-        <a:xfrm>
-          <a:off x="0" y="0"/>
-          <a:ext cx="0" cy="0"/>
-          <a:chOff x="0" y="0"/>
-          <a:chExt cx="0" cy="0"/>
-        </a:xfrm>
-      </p:grpSpPr>
-      <p:sp>
-        <p:nvSpPr>
-          <p:cNvPr id="2" name="Title 1">
-            <a:extLst>
-              <a:ext uri="{FF2B5EF4-FFF2-40B4-BE49-F238E27FC236}">
-                <a16:creationId xmlns:a16="http://schemas.microsoft.com/office/drawing/2014/main" id="{69303CB1-EFAC-D446-A1DB-6064B729B4AD}"/>
-              </a:ext>
-            </a:extLst>
-          </p:cNvPr>
-          <p:cNvSpPr>
-            <a:spLocks noGrp="1"/>
-          </p:cNvSpPr>
-          <p:nvPr>
-            <p:ph type="ctrTitle" hasCustomPrompt="1"/>
-          </p:nvPr>
-        </p:nvSpPr>
-        <p:spPr>
-          <a:xfrm>
-            <a:off x="685800" y="2743200"/>
-            <a:ext cx="8951976" cy="1280160"/>
-          </a:xfrm>
-        </p:spPr>
-        <p:txBody>
-          <a:bodyPr anchor="ctr" anchorCtr="0">
-            <a:noAutofit/>
-          </a:bodyPr>
-          <a:lstStyle>
-            <a:lvl1pPr algn="l">
-              <a:lnSpc>
-                <a:spcPct val="97000"/>
-              </a:lnSpc>
-              <a:defRPr sz="4300" b="0" i="0">
-                <a:solidFill>
-                  <a:schemeClr val="bg1"/>
-                </a:solidFill>
-                <a:latin typeface="Futura Next Book" panose="020B0502020204020303" pitchFamily="34" charset="77"/>
-              </a:defRPr>
-            </a:lvl1pPr>
-          </a:lstStyle>
-          <a:p>
-            <a:r>
-              <a:rPr lang="en-US" dirty="0"/>
-              <a:t>Title of the presentation</a:t>
-            </a:r>
-            <a:br>
-              <a:rPr lang="en-US" dirty="0"/>
-            </a:br>
-            <a:r>
-              <a:rPr lang="en-US" dirty="0"/>
-              <a:t>two lines max and no subtitle</a:t>
-            </a:r>
-          </a:p>
-        </p:txBody>
-      </p:sp>
-      <p:sp>
-        <p:nvSpPr>
-          <p:cNvPr id="3" name="Subtitle 2">
-            <a:extLst>
-              <a:ext uri="{FF2B5EF4-FFF2-40B4-BE49-F238E27FC236}">
-                <a16:creationId xmlns:a16="http://schemas.microsoft.com/office/drawing/2014/main" id="{09CB8B89-4C40-6347-B7B0-A8E678B575ED}"/>
-              </a:ext>
-            </a:extLst>
-          </p:cNvPr>
-          <p:cNvSpPr>
-            <a:spLocks noGrp="1"/>
-          </p:cNvSpPr>
-          <p:nvPr>
-            <p:ph type="subTitle" idx="1" hasCustomPrompt="1"/>
-          </p:nvPr>
-        </p:nvSpPr>
-        <p:spPr>
-          <a:xfrm>
-            <a:off x="685800" y="658368"/>
-            <a:ext cx="8951976" cy="155448"/>
-          </a:xfrm>
-        </p:spPr>
-        <p:txBody>
-          <a:bodyPr anchor="ctr" anchorCtr="0">
-            <a:noAutofit/>
-          </a:bodyPr>
-          <a:lstStyle>
-            <a:lvl1pPr marL="0" indent="0" algn="l">
-              <a:lnSpc>
-                <a:spcPct val="100000"/>
-              </a:lnSpc>
-              <a:buNone/>
-              <a:defRPr sz="900" b="1" i="0" spc="50" baseline="0">
-                <a:solidFill>
-                  <a:schemeClr val="bg1"/>
-                </a:solidFill>
-                <a:latin typeface="Futura Next DemiBold" panose="020B0602020204020303" pitchFamily="34" charset="77"/>
-              </a:defRPr>
-            </a:lvl1pPr>
-            <a:lvl2pPr marL="457200" indent="0" algn="ctr">
-              <a:buNone/>
-              <a:defRPr sz="2000"/>
-            </a:lvl2pPr>
-            <a:lvl3pPr marL="914400" indent="0" algn="ctr">
-              <a:buNone/>
-              <a:defRPr sz="1800"/>
-            </a:lvl3pPr>
-            <a:lvl4pPr marL="1371600" indent="0" algn="ctr">
-              <a:buNone/>
-              <a:defRPr sz="1600"/>
-            </a:lvl4pPr>
-            <a:lvl5pPr marL="1828800" indent="0" algn="ctr">
-              <a:buNone/>
-              <a:defRPr sz="1600"/>
-            </a:lvl5pPr>
-            <a:lvl6pPr marL="2286000" indent="0" algn="ctr">
-              <a:buNone/>
-              <a:defRPr sz="1600"/>
-            </a:lvl6pPr>
-            <a:lvl7pPr marL="2743200" indent="0" algn="ctr">
-              <a:buNone/>
-              <a:defRPr sz="1600"/>
-            </a:lvl7pPr>
-            <a:lvl8pPr marL="3200400" indent="0" algn="ctr">
-              <a:buNone/>
-              <a:defRPr sz="1600"/>
-            </a:lvl8pPr>
-            <a:lvl9pPr marL="3657600" indent="0" algn="ctr">
-              <a:buNone/>
-              <a:defRPr sz="1600"/>
-            </a:lvl9pPr>
-          </a:lstStyle>
-          <a:p>
-            <a:r>
-              <a:rPr lang="en-US" dirty="0"/>
-              <a:t>Month-Day-Year</a:t>
-            </a:r>
-          </a:p>
-        </p:txBody>
-      </p:sp>
-      <p:sp>
-        <p:nvSpPr>
-          <p:cNvPr id="4" name="Slide Number Placeholder 3">
-            <a:extLst>
-              <a:ext uri="{FF2B5EF4-FFF2-40B4-BE49-F238E27FC236}">
-                <a16:creationId xmlns:a16="http://schemas.microsoft.com/office/drawing/2014/main" id="{879F0978-C717-A14F-A261-571244E08F4C}"/>
-              </a:ext>
-            </a:extLst>
-          </p:cNvPr>
-          <p:cNvSpPr>
-            <a:spLocks noGrp="1"/>
-          </p:cNvSpPr>
-          <p:nvPr>
-            <p:ph type="sldNum" sz="quarter" idx="10"/>
-          </p:nvPr>
-        </p:nvSpPr>
-        <p:spPr/>
-        <p:txBody>
-          <a:bodyPr/>
-          <a:lstStyle>
-            <a:lvl1pPr>
-              <a:defRPr>
-                <a:solidFill>
-                  <a:schemeClr val="tx1"/>
-                </a:solidFill>
-              </a:defRPr>
-            </a:lvl1pPr>
-          </a:lstStyle>
-          <a:p>
-            <a:fld id="{58B792A5-9BAE-6942-BFE1-9FCDB51EA51E}" type="slidenum">
-              <a:rPr lang="en-US" smtClean="0"/>
-              <a:pPr/>
-              <a:t>‹#›</a:t>
-            </a:fld>
-            <a:endParaRPr lang="en-US" dirty="0"/>
-          </a:p>
-        </p:txBody>
-      </p:sp>
-      <p:pic>
-        <p:nvPicPr>
-          <p:cNvPr id="7" name="Picture 6">
-            <a:extLst>
-              <a:ext uri="{FF2B5EF4-FFF2-40B4-BE49-F238E27FC236}">
-                <a16:creationId xmlns:a16="http://schemas.microsoft.com/office/drawing/2014/main" id="{CDC32020-32CD-184C-8C27-BDD180D62E0C}"/>
-              </a:ext>
-            </a:extLst>
-          </p:cNvPr>
-          <p:cNvPicPr>
-            <a:picLocks noChangeAspect="1"/>
-          </p:cNvPicPr>
-          <p:nvPr userDrawn="1"/>
-        </p:nvPicPr>
-        <p:blipFill>
-          <a:blip r:embed="rId2"/>
-          <a:stretch>
-            <a:fillRect/>
-          </a:stretch>
-        </p:blipFill>
-        <p:spPr>
-          <a:xfrm>
-            <a:off x="685800" y="5733288"/>
-            <a:ext cx="914400" cy="495300"/>
-          </a:xfrm>
-          <a:prstGeom prst="rect">
-            <a:avLst/>
-          </a:prstGeom>
-        </p:spPr>
-      </p:pic>
-    </p:spTree>
-    <p:extLst>
-      <p:ext uri="{BB962C8B-B14F-4D97-AF65-F5344CB8AC3E}">
-        <p14:creationId xmlns:p14="http://schemas.microsoft.com/office/powerpoint/2010/main" val="355236190"/>
       </p:ext>
     </p:extLst>
   </p:cSld>
@@ -27334,7 +26857,6 @@
     <p:sldLayoutId id="2147483707" r:id="rId11"/>
     <p:sldLayoutId id="2147483708" r:id="rId12"/>
     <p:sldLayoutId id="2147483709" r:id="rId13"/>
-    <p:sldLayoutId id="2147483776" r:id="rId14"/>
   </p:sldLayoutIdLst>
   <p:hf hdr="0" ftr="0" dt="0"/>
   <p:txStyles>
@@ -28525,7 +28047,7 @@
           <a:p>
             <a:fld id="{C764DE79-268F-4C1A-8933-263129D2AF90}" type="datetimeFigureOut">
               <a:rPr lang="en-US" dirty="0"/>
-              <a:t>3/28/20</a:t>
+              <a:t>4/6/20</a:t>
             </a:fld>
             <a:endParaRPr lang="en-US" dirty="0"/>
           </a:p>
@@ -29082,8 +28604,8 @@
         </p:nvSpPr>
         <p:spPr>
           <a:xfrm>
-            <a:off x="644236" y="1136073"/>
-            <a:ext cx="8951976" cy="1280160"/>
+            <a:off x="644236" y="554182"/>
+            <a:ext cx="8951976" cy="540327"/>
           </a:xfrm>
         </p:spPr>
         <p:txBody>
@@ -29092,7 +28614,7 @@
           <a:p>
             <a:r>
               <a:rPr lang="en-US" sz="3600" dirty="0"/>
-              <a:t>Assignment – React Training</a:t>
+              <a:t>Frontend Stack</a:t>
             </a:r>
           </a:p>
         </p:txBody>
@@ -29162,6 +28684,182 @@
                 </a:solidFill>
               </a:rPr>
               <a:t>Ritesh Kashyap</a:t>
+            </a:r>
+          </a:p>
+        </p:txBody>
+      </p:sp>
+      <p:sp>
+        <p:nvSpPr>
+          <p:cNvPr id="4" name="TextBox 3">
+            <a:extLst>
+              <a:ext uri="{FF2B5EF4-FFF2-40B4-BE49-F238E27FC236}">
+                <a16:creationId xmlns:a16="http://schemas.microsoft.com/office/drawing/2014/main" id="{E3B829C2-9BA5-0F4B-B2F2-73E662B47494}"/>
+              </a:ext>
+            </a:extLst>
+          </p:cNvPr>
+          <p:cNvSpPr txBox="1"/>
+          <p:nvPr/>
+        </p:nvSpPr>
+        <p:spPr>
+          <a:xfrm>
+            <a:off x="644236" y="1231388"/>
+            <a:ext cx="2691250" cy="1938992"/>
+          </a:xfrm>
+          <a:prstGeom prst="rect">
+            <a:avLst/>
+          </a:prstGeom>
+          <a:noFill/>
+        </p:spPr>
+        <p:txBody>
+          <a:bodyPr wrap="none" rtlCol="0">
+            <a:spAutoFit/>
+          </a:bodyPr>
+          <a:lstStyle/>
+          <a:p>
+            <a:r>
+              <a:rPr lang="en-US" sz="2400" b="1" dirty="0">
+                <a:solidFill>
+                  <a:schemeClr val="bg1"/>
+                </a:solidFill>
+              </a:rPr>
+              <a:t>Core</a:t>
+            </a:r>
+          </a:p>
+          <a:p>
+            <a:pPr marL="285750" indent="-285750">
+              <a:buFont typeface="Arial" panose="020B0604020202020204" pitchFamily="34" charset="0"/>
+              <a:buChar char="•"/>
+            </a:pPr>
+            <a:r>
+              <a:rPr lang="en-US" sz="2400" dirty="0">
+                <a:solidFill>
+                  <a:schemeClr val="bg1"/>
+                </a:solidFill>
+              </a:rPr>
+              <a:t>React JS(16.3)</a:t>
+            </a:r>
+          </a:p>
+          <a:p>
+            <a:pPr marL="285750" indent="-285750">
+              <a:buFont typeface="Arial" panose="020B0604020202020204" pitchFamily="34" charset="0"/>
+              <a:buChar char="•"/>
+            </a:pPr>
+            <a:r>
+              <a:rPr lang="en-US" sz="2400" dirty="0">
+                <a:solidFill>
+                  <a:schemeClr val="bg1"/>
+                </a:solidFill>
+              </a:rPr>
+              <a:t>Redux</a:t>
+            </a:r>
+          </a:p>
+          <a:p>
+            <a:pPr marL="285750" indent="-285750">
+              <a:buFont typeface="Arial" panose="020B0604020202020204" pitchFamily="34" charset="0"/>
+              <a:buChar char="•"/>
+            </a:pPr>
+            <a:r>
+              <a:rPr lang="en-US" sz="2400" dirty="0">
+                <a:solidFill>
+                  <a:schemeClr val="bg1"/>
+                </a:solidFill>
+              </a:rPr>
+              <a:t>Redux Saga</a:t>
+            </a:r>
+          </a:p>
+          <a:p>
+            <a:pPr marL="285750" indent="-285750">
+              <a:buFont typeface="Arial" panose="020B0604020202020204" pitchFamily="34" charset="0"/>
+              <a:buChar char="•"/>
+            </a:pPr>
+            <a:r>
+              <a:rPr lang="en-US" sz="2400" dirty="0">
+                <a:solidFill>
+                  <a:schemeClr val="bg1"/>
+                </a:solidFill>
+              </a:rPr>
+              <a:t>React-JSS(for CSS)</a:t>
+            </a:r>
+          </a:p>
+        </p:txBody>
+      </p:sp>
+      <p:sp>
+        <p:nvSpPr>
+          <p:cNvPr id="6" name="TextBox 5">
+            <a:extLst>
+              <a:ext uri="{FF2B5EF4-FFF2-40B4-BE49-F238E27FC236}">
+                <a16:creationId xmlns:a16="http://schemas.microsoft.com/office/drawing/2014/main" id="{F38340E8-B6F0-614A-B7AE-11903FD72789}"/>
+              </a:ext>
+            </a:extLst>
+          </p:cNvPr>
+          <p:cNvSpPr txBox="1"/>
+          <p:nvPr/>
+        </p:nvSpPr>
+        <p:spPr>
+          <a:xfrm>
+            <a:off x="644236" y="3452212"/>
+            <a:ext cx="3607206" cy="1569660"/>
+          </a:xfrm>
+          <a:prstGeom prst="rect">
+            <a:avLst/>
+          </a:prstGeom>
+          <a:noFill/>
+        </p:spPr>
+        <p:txBody>
+          <a:bodyPr wrap="none" rtlCol="0">
+            <a:spAutoFit/>
+          </a:bodyPr>
+          <a:lstStyle/>
+          <a:p>
+            <a:r>
+              <a:rPr lang="en-US" sz="2400" b="1" dirty="0">
+                <a:solidFill>
+                  <a:schemeClr val="bg1"/>
+                </a:solidFill>
+              </a:rPr>
+              <a:t>Build Tools</a:t>
+            </a:r>
+          </a:p>
+          <a:p>
+            <a:pPr marL="285750" indent="-285750">
+              <a:buFont typeface="Arial" panose="020B0604020202020204" pitchFamily="34" charset="0"/>
+              <a:buChar char="•"/>
+            </a:pPr>
+            <a:r>
+              <a:rPr lang="en-US" sz="2400" dirty="0">
+                <a:solidFill>
+                  <a:schemeClr val="bg1"/>
+                </a:solidFill>
+              </a:rPr>
+              <a:t>Webpack(No Boilerplate)</a:t>
+            </a:r>
+          </a:p>
+          <a:p>
+            <a:pPr marL="285750" indent="-285750">
+              <a:buFont typeface="Arial" panose="020B0604020202020204" pitchFamily="34" charset="0"/>
+              <a:buChar char="•"/>
+            </a:pPr>
+            <a:r>
+              <a:rPr lang="en-US" sz="2400" dirty="0">
+                <a:solidFill>
+                  <a:schemeClr val="bg1"/>
+                </a:solidFill>
+              </a:rPr>
+              <a:t>ES Lint</a:t>
+            </a:r>
+          </a:p>
+          <a:p>
+            <a:pPr marL="285750" indent="-285750">
+              <a:buFont typeface="Arial" panose="020B0604020202020204" pitchFamily="34" charset="0"/>
+              <a:buChar char="•"/>
+            </a:pPr>
+            <a:r>
+              <a:rPr lang="en-US" sz="2400" dirty="0">
+                <a:solidFill>
+                  <a:schemeClr val="bg1"/>
+                </a:solidFill>
+              </a:rPr>
+              <a:t>Husky (pre commit)</a:t>
             </a:r>
           </a:p>
         </p:txBody>
@@ -29198,34 +28896,6 @@
       </p:grpSpPr>
       <p:sp>
         <p:nvSpPr>
-          <p:cNvPr id="2" name="Title 1">
-            <a:extLst>
-              <a:ext uri="{FF2B5EF4-FFF2-40B4-BE49-F238E27FC236}">
-                <a16:creationId xmlns:a16="http://schemas.microsoft.com/office/drawing/2014/main" id="{8A675F89-561C-5046-9D98-4C9A453D67D0}"/>
-              </a:ext>
-            </a:extLst>
-          </p:cNvPr>
-          <p:cNvSpPr>
-            <a:spLocks noGrp="1"/>
-          </p:cNvSpPr>
-          <p:nvPr>
-            <p:ph type="ctrTitle"/>
-          </p:nvPr>
-        </p:nvSpPr>
-        <p:spPr/>
-        <p:txBody>
-          <a:bodyPr/>
-          <a:lstStyle/>
-          <a:p>
-            <a:r>
-              <a:rPr lang="en-US" dirty="0"/>
-              <a:t>Context</a:t>
-            </a:r>
-          </a:p>
-        </p:txBody>
-      </p:sp>
-      <p:sp>
-        <p:nvSpPr>
           <p:cNvPr id="3" name="Subtitle 2">
             <a:extLst>
               <a:ext uri="{FF2B5EF4-FFF2-40B4-BE49-F238E27FC236}">
@@ -29242,7 +28912,7 @@
         </p:nvSpPr>
         <p:spPr>
           <a:xfrm>
-            <a:off x="685978" y="3307012"/>
+            <a:off x="408662" y="466830"/>
             <a:ext cx="10820170" cy="571438"/>
           </a:xfrm>
         </p:spPr>
@@ -29256,19 +28926,7 @@
                   <a:srgbClr val="FFFFFF"/>
                 </a:solidFill>
               </a:rPr>
-              <a:t>Why </a:t>
-            </a:r>
-            <a:r>
-              <a:rPr lang="en-US" sz="3600" dirty="0"/>
-              <a:t>Reference Architectures</a:t>
-            </a:r>
-            <a:r>
-              <a:rPr lang="en-US" sz="3600" dirty="0">
-                <a:solidFill>
-                  <a:srgbClr val="FFFFFF"/>
-                </a:solidFill>
-              </a:rPr>
-              <a:t>?</a:t>
+              <a:t>Screens</a:t>
             </a:r>
             <a:endParaRPr lang="en-US" dirty="0"/>
           </a:p>
@@ -29304,6 +28962,36 @@
           </a:p>
         </p:txBody>
       </p:sp>
+      <p:pic>
+        <p:nvPicPr>
+          <p:cNvPr id="10" name="Picture 9">
+            <a:extLst>
+              <a:ext uri="{FF2B5EF4-FFF2-40B4-BE49-F238E27FC236}">
+                <a16:creationId xmlns:a16="http://schemas.microsoft.com/office/drawing/2014/main" id="{2CBDC557-D144-584C-A04C-B422F46405DA}"/>
+              </a:ext>
+            </a:extLst>
+          </p:cNvPr>
+          <p:cNvPicPr>
+            <a:picLocks noChangeAspect="1"/>
+          </p:cNvPicPr>
+          <p:nvPr/>
+        </p:nvPicPr>
+        <p:blipFill>
+          <a:blip r:embed="rId2"/>
+          <a:stretch>
+            <a:fillRect/>
+          </a:stretch>
+        </p:blipFill>
+        <p:spPr>
+          <a:xfrm>
+            <a:off x="408662" y="1129708"/>
+            <a:ext cx="9593349" cy="4986612"/>
+          </a:xfrm>
+          <a:prstGeom prst="rect">
+            <a:avLst/>
+          </a:prstGeom>
+        </p:spPr>
+      </p:pic>
     </p:spTree>
     <p:extLst>
       <p:ext uri="{BB962C8B-B14F-4D97-AF65-F5344CB8AC3E}">
@@ -29336,38 +29024,10 @@
       </p:grpSpPr>
       <p:sp>
         <p:nvSpPr>
-          <p:cNvPr id="2" name="Title 1">
-            <a:extLst>
-              <a:ext uri="{FF2B5EF4-FFF2-40B4-BE49-F238E27FC236}">
-                <a16:creationId xmlns:a16="http://schemas.microsoft.com/office/drawing/2014/main" id="{F2CB1997-6B68-E647-A095-D5853488D3BB}"/>
-              </a:ext>
-            </a:extLst>
-          </p:cNvPr>
-          <p:cNvSpPr>
-            <a:spLocks noGrp="1"/>
-          </p:cNvSpPr>
-          <p:nvPr>
-            <p:ph type="ctrTitle"/>
-          </p:nvPr>
-        </p:nvSpPr>
-        <p:spPr/>
-        <p:txBody>
-          <a:bodyPr/>
-          <a:lstStyle/>
-          <a:p>
-            <a:r>
-              <a:rPr lang="en-US" dirty="0"/>
-              <a:t>Introduction</a:t>
-            </a:r>
-          </a:p>
-        </p:txBody>
-      </p:sp>
-      <p:sp>
-        <p:nvSpPr>
           <p:cNvPr id="3" name="Subtitle 2">
             <a:extLst>
               <a:ext uri="{FF2B5EF4-FFF2-40B4-BE49-F238E27FC236}">
-                <a16:creationId xmlns:a16="http://schemas.microsoft.com/office/drawing/2014/main" id="{84DC85D5-951E-A44F-A04F-86D955F81442}"/>
+                <a16:creationId xmlns:a16="http://schemas.microsoft.com/office/drawing/2014/main" id="{17E869CC-D28E-CE44-B827-0F10DB7F9282}"/>
               </a:ext>
             </a:extLst>
           </p:cNvPr>
@@ -29380,7 +29040,7 @@
         </p:nvSpPr>
         <p:spPr>
           <a:xfrm>
-            <a:off x="685978" y="3307012"/>
+            <a:off x="408662" y="466830"/>
             <a:ext cx="10820170" cy="571438"/>
           </a:xfrm>
         </p:spPr>
@@ -29389,21 +29049,14 @@
           <a:lstStyle/>
           <a:p>
             <a:r>
-              <a:rPr lang="es-ES" dirty="0"/>
-              <a:t>Hola</a:t>
-            </a:r>
-            <a:r>
-              <a:rPr lang="en-US" dirty="0"/>
-              <a:t>, Reference </a:t>
-            </a:r>
-            <a:r>
-              <a:rPr lang="en-US" sz="3200" dirty="0"/>
-              <a:t>Architectures!</a:t>
-            </a:r>
-            <a:r>
-              <a:rPr lang="en-US" dirty="0"/>
-              <a:t> </a:t>
-            </a:r>
+              <a:rPr lang="en-US" sz="3600" dirty="0">
+                <a:solidFill>
+                  <a:srgbClr val="FFFFFF"/>
+                </a:solidFill>
+              </a:rPr>
+              <a:t>Screens</a:t>
+            </a:r>
+            <a:endParaRPr lang="en-US" dirty="0"/>
           </a:p>
         </p:txBody>
       </p:sp>
@@ -29412,7 +29065,7 @@
           <p:cNvPr id="4" name="Slide Number Placeholder 3">
             <a:extLst>
               <a:ext uri="{FF2B5EF4-FFF2-40B4-BE49-F238E27FC236}">
-                <a16:creationId xmlns:a16="http://schemas.microsoft.com/office/drawing/2014/main" id="{50566C03-0D05-7649-B073-4B6B59E57FA2}"/>
+                <a16:creationId xmlns:a16="http://schemas.microsoft.com/office/drawing/2014/main" id="{7A53DF91-3DEE-7042-82A3-CA84267A0CA3}"/>
               </a:ext>
             </a:extLst>
           </p:cNvPr>
@@ -29437,183 +29090,70 @@
           </a:p>
         </p:txBody>
       </p:sp>
+      <p:pic>
+        <p:nvPicPr>
+          <p:cNvPr id="7" name="Picture 6">
+            <a:extLst>
+              <a:ext uri="{FF2B5EF4-FFF2-40B4-BE49-F238E27FC236}">
+                <a16:creationId xmlns:a16="http://schemas.microsoft.com/office/drawing/2014/main" id="{94EC784D-B38A-6F43-9690-3F907CF6F0B2}"/>
+              </a:ext>
+            </a:extLst>
+          </p:cNvPr>
+          <p:cNvPicPr>
+            <a:picLocks noChangeAspect="1"/>
+          </p:cNvPicPr>
+          <p:nvPr/>
+        </p:nvPicPr>
+        <p:blipFill>
+          <a:blip r:embed="rId2"/>
+          <a:stretch>
+            <a:fillRect/>
+          </a:stretch>
+        </p:blipFill>
+        <p:spPr>
+          <a:xfrm>
+            <a:off x="781168" y="1123786"/>
+            <a:ext cx="3882272" cy="5503537"/>
+          </a:xfrm>
+          <a:prstGeom prst="rect">
+            <a:avLst/>
+          </a:prstGeom>
+        </p:spPr>
+      </p:pic>
+      <p:pic>
+        <p:nvPicPr>
+          <p:cNvPr id="8" name="Picture 7">
+            <a:extLst>
+              <a:ext uri="{FF2B5EF4-FFF2-40B4-BE49-F238E27FC236}">
+                <a16:creationId xmlns:a16="http://schemas.microsoft.com/office/drawing/2014/main" id="{A15916F8-FF06-1846-A1BC-C0B221B8B949}"/>
+              </a:ext>
+            </a:extLst>
+          </p:cNvPr>
+          <p:cNvPicPr>
+            <a:picLocks noChangeAspect="1"/>
+          </p:cNvPicPr>
+          <p:nvPr/>
+        </p:nvPicPr>
+        <p:blipFill>
+          <a:blip r:embed="rId3"/>
+          <a:stretch>
+            <a:fillRect/>
+          </a:stretch>
+        </p:blipFill>
+        <p:spPr>
+          <a:xfrm>
+            <a:off x="5354326" y="1123786"/>
+            <a:ext cx="2773674" cy="5616498"/>
+          </a:xfrm>
+          <a:prstGeom prst="rect">
+            <a:avLst/>
+          </a:prstGeom>
+        </p:spPr>
+      </p:pic>
     </p:spTree>
     <p:extLst>
       <p:ext uri="{BB962C8B-B14F-4D97-AF65-F5344CB8AC3E}">
-        <p14:creationId xmlns:p14="http://schemas.microsoft.com/office/powerpoint/2010/main" val="480098212"/>
-      </p:ext>
-    </p:extLst>
-  </p:cSld>
-  <p:clrMapOvr>
-    <a:masterClrMapping/>
-  </p:clrMapOvr>
-</p:sld>
-</file>
-
-<file path=ppt/slides/slide5.xml><?xml version="1.0" encoding="utf-8"?>
-<p:sld xmlns:a="http://schemas.openxmlformats.org/drawingml/2006/main" xmlns:r="http://schemas.openxmlformats.org/officeDocument/2006/relationships" xmlns:p="http://schemas.openxmlformats.org/presentationml/2006/main">
-  <p:cSld>
-    <p:spTree>
-      <p:nvGrpSpPr>
-        <p:cNvPr id="1" name=""/>
-        <p:cNvGrpSpPr/>
-        <p:nvPr/>
-      </p:nvGrpSpPr>
-      <p:grpSpPr>
-        <a:xfrm>
-          <a:off x="0" y="0"/>
-          <a:ext cx="0" cy="0"/>
-          <a:chOff x="0" y="0"/>
-          <a:chExt cx="0" cy="0"/>
-        </a:xfrm>
-      </p:grpSpPr>
-      <p:sp>
-        <p:nvSpPr>
-          <p:cNvPr id="2" name="Title 1">
-            <a:extLst>
-              <a:ext uri="{FF2B5EF4-FFF2-40B4-BE49-F238E27FC236}">
-                <a16:creationId xmlns:a16="http://schemas.microsoft.com/office/drawing/2014/main" id="{6B027F18-FBDC-5C46-8E79-9367B9977F5E}"/>
-              </a:ext>
-            </a:extLst>
-          </p:cNvPr>
-          <p:cNvSpPr>
-            <a:spLocks noGrp="1"/>
-          </p:cNvSpPr>
-          <p:nvPr>
-            <p:ph type="ctrTitle"/>
-          </p:nvPr>
-        </p:nvSpPr>
-        <p:spPr/>
-        <p:txBody>
-          <a:bodyPr/>
-          <a:lstStyle/>
-          <a:p>
-            <a:endParaRPr lang="en-US" dirty="0"/>
-          </a:p>
-        </p:txBody>
-      </p:sp>
-      <p:sp>
-        <p:nvSpPr>
-          <p:cNvPr id="3" name="Subtitle 2">
-            <a:extLst>
-              <a:ext uri="{FF2B5EF4-FFF2-40B4-BE49-F238E27FC236}">
-                <a16:creationId xmlns:a16="http://schemas.microsoft.com/office/drawing/2014/main" id="{9F824C09-8D7F-E947-BC31-B177BEB2B50D}"/>
-              </a:ext>
-            </a:extLst>
-          </p:cNvPr>
-          <p:cNvSpPr>
-            <a:spLocks noGrp="1"/>
-          </p:cNvSpPr>
-          <p:nvPr>
-            <p:ph type="subTitle" idx="1"/>
-          </p:nvPr>
-        </p:nvSpPr>
-        <p:spPr/>
-        <p:txBody>
-          <a:bodyPr/>
-          <a:lstStyle/>
-          <a:p>
-            <a:r>
-              <a:rPr lang="en-US" dirty="0"/>
-              <a:t>Future Features?</a:t>
-            </a:r>
-          </a:p>
-        </p:txBody>
-      </p:sp>
-      <p:sp>
-        <p:nvSpPr>
-          <p:cNvPr id="4" name="Slide Number Placeholder 3">
-            <a:extLst>
-              <a:ext uri="{FF2B5EF4-FFF2-40B4-BE49-F238E27FC236}">
-                <a16:creationId xmlns:a16="http://schemas.microsoft.com/office/drawing/2014/main" id="{557BBB4B-768C-4D43-BBB1-990A824CF4EC}"/>
-              </a:ext>
-            </a:extLst>
-          </p:cNvPr>
-          <p:cNvSpPr>
-            <a:spLocks noGrp="1"/>
-          </p:cNvSpPr>
-          <p:nvPr>
-            <p:ph type="sldNum" sz="quarter" idx="10"/>
-          </p:nvPr>
-        </p:nvSpPr>
-        <p:spPr/>
-        <p:txBody>
-          <a:bodyPr/>
-          <a:lstStyle/>
-          <a:p>
-            <a:fld id="{58B792A5-9BAE-6942-BFE1-9FCDB51EA51E}" type="slidenum">
-              <a:rPr lang="en-US" smtClean="0"/>
-              <a:pPr/>
-              <a:t>5</a:t>
-            </a:fld>
-            <a:endParaRPr lang="en-US" dirty="0"/>
-          </a:p>
-        </p:txBody>
-      </p:sp>
-    </p:spTree>
-    <p:extLst>
-      <p:ext uri="{BB962C8B-B14F-4D97-AF65-F5344CB8AC3E}">
-        <p14:creationId xmlns:p14="http://schemas.microsoft.com/office/powerpoint/2010/main" val="4089301313"/>
-      </p:ext>
-    </p:extLst>
-  </p:cSld>
-  <p:clrMapOvr>
-    <a:masterClrMapping/>
-  </p:clrMapOvr>
-</p:sld>
-</file>
-
-<file path=ppt/slides/slide6.xml><?xml version="1.0" encoding="utf-8"?>
-<p:sld xmlns:a="http://schemas.openxmlformats.org/drawingml/2006/main" xmlns:r="http://schemas.openxmlformats.org/officeDocument/2006/relationships" xmlns:p="http://schemas.openxmlformats.org/presentationml/2006/main">
-  <p:cSld>
-    <p:spTree>
-      <p:nvGrpSpPr>
-        <p:cNvPr id="1" name=""/>
-        <p:cNvGrpSpPr/>
-        <p:nvPr/>
-      </p:nvGrpSpPr>
-      <p:grpSpPr>
-        <a:xfrm>
-          <a:off x="0" y="0"/>
-          <a:ext cx="0" cy="0"/>
-          <a:chOff x="0" y="0"/>
-          <a:chExt cx="0" cy="0"/>
-        </a:xfrm>
-      </p:grpSpPr>
-      <p:sp>
-        <p:nvSpPr>
-          <p:cNvPr id="2" name="Slide Number Placeholder 1">
-            <a:extLst>
-              <a:ext uri="{FF2B5EF4-FFF2-40B4-BE49-F238E27FC236}">
-                <a16:creationId xmlns:a16="http://schemas.microsoft.com/office/drawing/2014/main" id="{DB329277-73AA-49BD-913E-15CC4273B50B}"/>
-              </a:ext>
-            </a:extLst>
-          </p:cNvPr>
-          <p:cNvSpPr>
-            <a:spLocks noGrp="1"/>
-          </p:cNvSpPr>
-          <p:nvPr>
-            <p:ph type="sldNum" sz="quarter" idx="4"/>
-          </p:nvPr>
-        </p:nvSpPr>
-        <p:spPr/>
-        <p:txBody>
-          <a:bodyPr/>
-          <a:lstStyle/>
-          <a:p>
-            <a:fld id="{58B792A5-9BAE-6942-BFE1-9FCDB51EA51E}" type="slidenum">
-              <a:rPr lang="en-US" smtClean="0"/>
-              <a:pPr/>
-              <a:t>6</a:t>
-            </a:fld>
-            <a:endParaRPr lang="en-US" dirty="0"/>
-          </a:p>
-        </p:txBody>
-      </p:sp>
-    </p:spTree>
-    <p:extLst>
-      <p:ext uri="{BB962C8B-B14F-4D97-AF65-F5344CB8AC3E}">
-        <p14:creationId xmlns:p14="http://schemas.microsoft.com/office/powerpoint/2010/main" val="3849690139"/>
+        <p14:creationId xmlns:p14="http://schemas.microsoft.com/office/powerpoint/2010/main" val="2598181226"/>
       </p:ext>
     </p:extLst>
   </p:cSld>

--- a/Assignment-Details-RiteshKashyap.pptx
+++ b/Assignment-Details-RiteshKashyap.pptx
@@ -28985,7 +28985,7 @@
         <p:spPr>
           <a:xfrm>
             <a:off x="408662" y="1129708"/>
-            <a:ext cx="9593349" cy="4986612"/>
+            <a:ext cx="10045978" cy="5221888"/>
           </a:xfrm>
           <a:prstGeom prst="rect">
             <a:avLst/>
